--- a/документы/проект2.pptx
+++ b/документы/проект2.pptx
@@ -15,7 +15,10 @@
     <p:sldId id="263" r:id="rId9"/>
     <p:sldId id="267" r:id="rId10"/>
     <p:sldId id="264" r:id="rId11"/>
-    <p:sldId id="266" r:id="rId12"/>
+    <p:sldId id="268" r:id="rId12"/>
+    <p:sldId id="269" r:id="rId13"/>
+    <p:sldId id="270" r:id="rId14"/>
+    <p:sldId id="266" r:id="rId15"/>
   </p:sldIdLst>
   <p:sldSz cx="12192000" cy="6858000"/>
   <p:notesSz cx="6858000" cy="9144000"/>
@@ -269,7 +272,7 @@
           <a:p>
             <a:fld id="{32B81D08-BDBB-43B0-8814-AF8DA98403DB}" type="datetimeFigureOut">
               <a:rPr lang="ru-RU" smtClean="0"/>
-              <a:t>28.01.2025</a:t>
+              <a:t>04.02.2025</a:t>
             </a:fld>
             <a:endParaRPr lang="ru-RU"/>
           </a:p>
@@ -467,7 +470,7 @@
           <a:p>
             <a:fld id="{32B81D08-BDBB-43B0-8814-AF8DA98403DB}" type="datetimeFigureOut">
               <a:rPr lang="ru-RU" smtClean="0"/>
-              <a:t>28.01.2025</a:t>
+              <a:t>04.02.2025</a:t>
             </a:fld>
             <a:endParaRPr lang="ru-RU"/>
           </a:p>
@@ -675,7 +678,7 @@
           <a:p>
             <a:fld id="{32B81D08-BDBB-43B0-8814-AF8DA98403DB}" type="datetimeFigureOut">
               <a:rPr lang="ru-RU" smtClean="0"/>
-              <a:t>28.01.2025</a:t>
+              <a:t>04.02.2025</a:t>
             </a:fld>
             <a:endParaRPr lang="ru-RU"/>
           </a:p>
@@ -873,7 +876,7 @@
           <a:p>
             <a:fld id="{32B81D08-BDBB-43B0-8814-AF8DA98403DB}" type="datetimeFigureOut">
               <a:rPr lang="ru-RU" smtClean="0"/>
-              <a:t>28.01.2025</a:t>
+              <a:t>04.02.2025</a:t>
             </a:fld>
             <a:endParaRPr lang="ru-RU"/>
           </a:p>
@@ -1148,7 +1151,7 @@
           <a:p>
             <a:fld id="{32B81D08-BDBB-43B0-8814-AF8DA98403DB}" type="datetimeFigureOut">
               <a:rPr lang="ru-RU" smtClean="0"/>
-              <a:t>28.01.2025</a:t>
+              <a:t>04.02.2025</a:t>
             </a:fld>
             <a:endParaRPr lang="ru-RU"/>
           </a:p>
@@ -1413,7 +1416,7 @@
           <a:p>
             <a:fld id="{32B81D08-BDBB-43B0-8814-AF8DA98403DB}" type="datetimeFigureOut">
               <a:rPr lang="ru-RU" smtClean="0"/>
-              <a:t>28.01.2025</a:t>
+              <a:t>04.02.2025</a:t>
             </a:fld>
             <a:endParaRPr lang="ru-RU"/>
           </a:p>
@@ -1825,7 +1828,7 @@
           <a:p>
             <a:fld id="{32B81D08-BDBB-43B0-8814-AF8DA98403DB}" type="datetimeFigureOut">
               <a:rPr lang="ru-RU" smtClean="0"/>
-              <a:t>28.01.2025</a:t>
+              <a:t>04.02.2025</a:t>
             </a:fld>
             <a:endParaRPr lang="ru-RU"/>
           </a:p>
@@ -1966,7 +1969,7 @@
           <a:p>
             <a:fld id="{32B81D08-BDBB-43B0-8814-AF8DA98403DB}" type="datetimeFigureOut">
               <a:rPr lang="ru-RU" smtClean="0"/>
-              <a:t>28.01.2025</a:t>
+              <a:t>04.02.2025</a:t>
             </a:fld>
             <a:endParaRPr lang="ru-RU"/>
           </a:p>
@@ -2079,7 +2082,7 @@
           <a:p>
             <a:fld id="{32B81D08-BDBB-43B0-8814-AF8DA98403DB}" type="datetimeFigureOut">
               <a:rPr lang="ru-RU" smtClean="0"/>
-              <a:t>28.01.2025</a:t>
+              <a:t>04.02.2025</a:t>
             </a:fld>
             <a:endParaRPr lang="ru-RU"/>
           </a:p>
@@ -2390,7 +2393,7 @@
           <a:p>
             <a:fld id="{32B81D08-BDBB-43B0-8814-AF8DA98403DB}" type="datetimeFigureOut">
               <a:rPr lang="ru-RU" smtClean="0"/>
-              <a:t>28.01.2025</a:t>
+              <a:t>04.02.2025</a:t>
             </a:fld>
             <a:endParaRPr lang="ru-RU"/>
           </a:p>
@@ -2678,7 +2681,7 @@
           <a:p>
             <a:fld id="{32B81D08-BDBB-43B0-8814-AF8DA98403DB}" type="datetimeFigureOut">
               <a:rPr lang="ru-RU" smtClean="0"/>
-              <a:t>28.01.2025</a:t>
+              <a:t>04.02.2025</a:t>
             </a:fld>
             <a:endParaRPr lang="ru-RU"/>
           </a:p>
@@ -2919,7 +2922,7 @@
           <a:p>
             <a:fld id="{32B81D08-BDBB-43B0-8814-AF8DA98403DB}" type="datetimeFigureOut">
               <a:rPr lang="ru-RU" smtClean="0"/>
-              <a:t>28.01.2025</a:t>
+              <a:t>04.02.2025</a:t>
             </a:fld>
             <a:endParaRPr lang="ru-RU"/>
           </a:p>
@@ -3400,15 +3403,7 @@
           <a:p>
             <a:r>
               <a:rPr lang="ru-RU" dirty="0"/>
-              <a:t>Изюмов Матвей и </a:t>
-            </a:r>
-            <a:r>
-              <a:rPr lang="ru-RU" dirty="0" err="1"/>
-              <a:t>Савунов</a:t>
-            </a:r>
-            <a:r>
-              <a:rPr lang="ru-RU" dirty="0"/>
-              <a:t> Дмитрий</a:t>
+              <a:t>Савунов Дмитрий и Изюмов Матвей </a:t>
             </a:r>
           </a:p>
         </p:txBody>
@@ -3546,6 +3541,79 @@
           </a:p>
         </p:txBody>
       </p:sp>
+      <p:pic>
+        <p:nvPicPr>
+          <p:cNvPr id="6" name="Рисунок 5">
+            <a:extLst>
+              <a:ext uri="{FF2B5EF4-FFF2-40B4-BE49-F238E27FC236}">
+                <a16:creationId xmlns:a16="http://schemas.microsoft.com/office/drawing/2014/main" id="{9F3DF8E8-1B9B-4F98-8359-42873CB039FC}"/>
+              </a:ext>
+            </a:extLst>
+          </p:cNvPr>
+          <p:cNvPicPr>
+            <a:picLocks noChangeAspect="1"/>
+          </p:cNvPicPr>
+          <p:nvPr/>
+        </p:nvPicPr>
+        <p:blipFill>
+          <a:blip r:embed="rId3"/>
+          <a:stretch>
+            <a:fillRect/>
+          </a:stretch>
+        </p:blipFill>
+        <p:spPr>
+          <a:xfrm>
+            <a:off x="6708757" y="2388731"/>
+            <a:ext cx="4258596" cy="829597"/>
+          </a:xfrm>
+          <a:prstGeom prst="rect">
+            <a:avLst/>
+          </a:prstGeom>
+        </p:spPr>
+      </p:pic>
+      <p:sp>
+        <p:nvSpPr>
+          <p:cNvPr id="8" name="TextBox 7">
+            <a:extLst>
+              <a:ext uri="{FF2B5EF4-FFF2-40B4-BE49-F238E27FC236}">
+                <a16:creationId xmlns:a16="http://schemas.microsoft.com/office/drawing/2014/main" id="{03A2121F-6E2E-8A13-AAEE-2313D3C66AAB}"/>
+              </a:ext>
+            </a:extLst>
+          </p:cNvPr>
+          <p:cNvSpPr txBox="1"/>
+          <p:nvPr/>
+        </p:nvSpPr>
+        <p:spPr>
+          <a:xfrm>
+            <a:off x="6840071" y="1828800"/>
+            <a:ext cx="3931024" cy="369332"/>
+          </a:xfrm>
+          <a:prstGeom prst="rect">
+            <a:avLst/>
+          </a:prstGeom>
+          <a:noFill/>
+        </p:spPr>
+        <p:txBody>
+          <a:bodyPr wrap="square" rtlCol="0">
+            <a:spAutoFit/>
+          </a:bodyPr>
+          <a:lstStyle/>
+          <a:p>
+            <a:r>
+              <a:rPr lang="ru-RU" dirty="0"/>
+              <a:t>Настройки и сохранения в </a:t>
+            </a:r>
+            <a:r>
+              <a:rPr lang="en-US" dirty="0"/>
+              <a:t>csv</a:t>
+            </a:r>
+            <a:r>
+              <a:rPr lang="ru-RU" dirty="0"/>
+              <a:t>-файле</a:t>
+            </a:r>
+          </a:p>
+        </p:txBody>
+      </p:sp>
     </p:spTree>
     <p:extLst>
       <p:ext uri="{BB962C8B-B14F-4D97-AF65-F5344CB8AC3E}">
@@ -3581,6 +3649,534 @@
           <p:cNvPr id="2" name="Заголовок 1">
             <a:extLst>
               <a:ext uri="{FF2B5EF4-FFF2-40B4-BE49-F238E27FC236}">
+                <a16:creationId xmlns:a16="http://schemas.microsoft.com/office/drawing/2014/main" id="{7A796CA2-219C-5F85-623D-FF571AC0C989}"/>
+              </a:ext>
+            </a:extLst>
+          </p:cNvPr>
+          <p:cNvSpPr>
+            <a:spLocks noGrp="1"/>
+          </p:cNvSpPr>
+          <p:nvPr>
+            <p:ph type="title"/>
+          </p:nvPr>
+        </p:nvSpPr>
+        <p:spPr/>
+        <p:txBody>
+          <a:bodyPr/>
+          <a:lstStyle/>
+          <a:p>
+            <a:r>
+              <a:rPr lang="ru-RU" dirty="0"/>
+              <a:t>Главное меню</a:t>
+            </a:r>
+          </a:p>
+        </p:txBody>
+      </p:sp>
+      <p:sp>
+        <p:nvSpPr>
+          <p:cNvPr id="3" name="Объект 2">
+            <a:extLst>
+              <a:ext uri="{FF2B5EF4-FFF2-40B4-BE49-F238E27FC236}">
+                <a16:creationId xmlns:a16="http://schemas.microsoft.com/office/drawing/2014/main" id="{6A1F1066-6EC7-153F-77CA-66FA9AF91363}"/>
+              </a:ext>
+            </a:extLst>
+          </p:cNvPr>
+          <p:cNvSpPr>
+            <a:spLocks noGrp="1"/>
+          </p:cNvSpPr>
+          <p:nvPr>
+            <p:ph idx="1"/>
+          </p:nvPr>
+        </p:nvSpPr>
+        <p:spPr>
+          <a:xfrm>
+            <a:off x="1004047" y="1855693"/>
+            <a:ext cx="4347882" cy="4482353"/>
+          </a:xfrm>
+        </p:spPr>
+        <p:txBody>
+          <a:bodyPr>
+            <a:normAutofit fontScale="85000" lnSpcReduction="20000"/>
+          </a:bodyPr>
+          <a:lstStyle/>
+          <a:p>
+            <a:pPr marL="0" indent="0">
+              <a:buNone/>
+            </a:pPr>
+            <a:r>
+              <a:rPr lang="ru-RU" dirty="0"/>
+              <a:t>В главном меню игроку доступно 3 кнопки:</a:t>
+            </a:r>
+          </a:p>
+          <a:p>
+            <a:r>
+              <a:rPr lang="ru-RU" dirty="0"/>
+              <a:t>Продолжить – чтобы продолжить игру на моменте, где игрок закончил игру в последний раз</a:t>
+            </a:r>
+          </a:p>
+          <a:p>
+            <a:r>
+              <a:rPr lang="ru-RU" dirty="0"/>
+              <a:t>Играть – чтобы начать игру сначала(с первого уровня)</a:t>
+            </a:r>
+          </a:p>
+          <a:p>
+            <a:r>
+              <a:rPr lang="ru-RU" dirty="0"/>
+              <a:t>Выйти – чтобы покинуть игру. Также при нажатии этой кнопки выскакивает диалоговое окно, уточняющее, действительно ли мы хотим выйти.</a:t>
+            </a:r>
+          </a:p>
+        </p:txBody>
+      </p:sp>
+      <p:pic>
+        <p:nvPicPr>
+          <p:cNvPr id="5" name="Рисунок 4">
+            <a:extLst>
+              <a:ext uri="{FF2B5EF4-FFF2-40B4-BE49-F238E27FC236}">
+                <a16:creationId xmlns:a16="http://schemas.microsoft.com/office/drawing/2014/main" id="{64AD9F91-3A48-E944-3C21-5F6B5AAC4B24}"/>
+              </a:ext>
+            </a:extLst>
+          </p:cNvPr>
+          <p:cNvPicPr>
+            <a:picLocks noChangeAspect="1"/>
+          </p:cNvPicPr>
+          <p:nvPr/>
+        </p:nvPicPr>
+        <p:blipFill>
+          <a:blip r:embed="rId2"/>
+          <a:stretch>
+            <a:fillRect/>
+          </a:stretch>
+        </p:blipFill>
+        <p:spPr>
+          <a:xfrm>
+            <a:off x="5993788" y="1690688"/>
+            <a:ext cx="5484641" cy="3083860"/>
+          </a:xfrm>
+          <a:prstGeom prst="rect">
+            <a:avLst/>
+          </a:prstGeom>
+        </p:spPr>
+      </p:pic>
+      <p:pic>
+        <p:nvPicPr>
+          <p:cNvPr id="7" name="Рисунок 6">
+            <a:extLst>
+              <a:ext uri="{FF2B5EF4-FFF2-40B4-BE49-F238E27FC236}">
+                <a16:creationId xmlns:a16="http://schemas.microsoft.com/office/drawing/2014/main" id="{4D279E56-89A1-BC1E-D6AB-EB2CB45B11E1}"/>
+              </a:ext>
+            </a:extLst>
+          </p:cNvPr>
+          <p:cNvPicPr>
+            <a:picLocks noChangeAspect="1"/>
+          </p:cNvPicPr>
+          <p:nvPr/>
+        </p:nvPicPr>
+        <p:blipFill>
+          <a:blip r:embed="rId3"/>
+          <a:srcRect l="19927" t="41635" r="21522" b="40573"/>
+          <a:stretch/>
+        </p:blipFill>
+        <p:spPr>
+          <a:xfrm>
+            <a:off x="7109017" y="4933016"/>
+            <a:ext cx="3254184" cy="1559859"/>
+          </a:xfrm>
+          <a:prstGeom prst="rect">
+            <a:avLst/>
+          </a:prstGeom>
+        </p:spPr>
+      </p:pic>
+    </p:spTree>
+    <p:extLst>
+      <p:ext uri="{BB962C8B-B14F-4D97-AF65-F5344CB8AC3E}">
+        <p14:creationId xmlns:p14="http://schemas.microsoft.com/office/powerpoint/2010/main" val="4057578857"/>
+      </p:ext>
+    </p:extLst>
+  </p:cSld>
+  <p:clrMapOvr>
+    <a:masterClrMapping/>
+  </p:clrMapOvr>
+</p:sld>
+</file>
+
+<file path=ppt/slides/slide12.xml><?xml version="1.0" encoding="utf-8"?>
+<p:sld xmlns:a="http://schemas.openxmlformats.org/drawingml/2006/main" xmlns:r="http://schemas.openxmlformats.org/officeDocument/2006/relationships" xmlns:p="http://schemas.openxmlformats.org/presentationml/2006/main">
+  <p:cSld>
+    <p:spTree>
+      <p:nvGrpSpPr>
+        <p:cNvPr id="1" name=""/>
+        <p:cNvGrpSpPr/>
+        <p:nvPr/>
+      </p:nvGrpSpPr>
+      <p:grpSpPr>
+        <a:xfrm>
+          <a:off x="0" y="0"/>
+          <a:ext cx="0" cy="0"/>
+          <a:chOff x="0" y="0"/>
+          <a:chExt cx="0" cy="0"/>
+        </a:xfrm>
+      </p:grpSpPr>
+      <p:sp>
+        <p:nvSpPr>
+          <p:cNvPr id="2" name="Заголовок 1">
+            <a:extLst>
+              <a:ext uri="{FF2B5EF4-FFF2-40B4-BE49-F238E27FC236}">
+                <a16:creationId xmlns:a16="http://schemas.microsoft.com/office/drawing/2014/main" id="{9CA16BE1-6ACC-6D62-DB9E-DC4E338ADE26}"/>
+              </a:ext>
+            </a:extLst>
+          </p:cNvPr>
+          <p:cNvSpPr>
+            <a:spLocks noGrp="1"/>
+          </p:cNvSpPr>
+          <p:nvPr>
+            <p:ph type="title"/>
+          </p:nvPr>
+        </p:nvSpPr>
+        <p:spPr>
+          <a:xfrm>
+            <a:off x="454758" y="-160152"/>
+            <a:ext cx="10515600" cy="1325563"/>
+          </a:xfrm>
+        </p:spPr>
+        <p:txBody>
+          <a:bodyPr/>
+          <a:lstStyle/>
+          <a:p>
+            <a:r>
+              <a:rPr lang="ru-RU" dirty="0"/>
+              <a:t>Меню во время паузы</a:t>
+            </a:r>
+          </a:p>
+        </p:txBody>
+      </p:sp>
+      <p:sp>
+        <p:nvSpPr>
+          <p:cNvPr id="3" name="Объект 2">
+            <a:extLst>
+              <a:ext uri="{FF2B5EF4-FFF2-40B4-BE49-F238E27FC236}">
+                <a16:creationId xmlns:a16="http://schemas.microsoft.com/office/drawing/2014/main" id="{A0AB4906-DBF6-BC22-9B82-47C276720EE5}"/>
+              </a:ext>
+            </a:extLst>
+          </p:cNvPr>
+          <p:cNvSpPr>
+            <a:spLocks noGrp="1"/>
+          </p:cNvSpPr>
+          <p:nvPr>
+            <p:ph idx="1"/>
+          </p:nvPr>
+        </p:nvSpPr>
+        <p:spPr>
+          <a:xfrm>
+            <a:off x="820271" y="851646"/>
+            <a:ext cx="5463988" cy="5592764"/>
+          </a:xfrm>
+        </p:spPr>
+        <p:txBody>
+          <a:bodyPr/>
+          <a:lstStyle/>
+          <a:p>
+            <a:pPr marL="0" indent="0">
+              <a:buNone/>
+            </a:pPr>
+            <a:r>
+              <a:rPr lang="ru-RU" dirty="0"/>
+              <a:t>Во время игры игрок, нажав на </a:t>
+            </a:r>
+            <a:r>
+              <a:rPr lang="en-US" dirty="0"/>
+              <a:t>ESC</a:t>
+            </a:r>
+            <a:r>
+              <a:rPr lang="ru-RU" dirty="0"/>
+              <a:t>, может вызвать игровое меню, в котором будут следующие кнопки:</a:t>
+            </a:r>
+          </a:p>
+          <a:p>
+            <a:r>
+              <a:rPr lang="ru-RU" dirty="0"/>
+              <a:t>Продолжить – для продолжения игры</a:t>
+            </a:r>
+          </a:p>
+          <a:p>
+            <a:r>
+              <a:rPr lang="ru-RU" dirty="0"/>
+              <a:t>Заново – кнопка нужна для перезапуска уровня</a:t>
+            </a:r>
+          </a:p>
+          <a:p>
+            <a:r>
+              <a:rPr lang="ru-RU" dirty="0"/>
+              <a:t>Настройки – вызывает окно настроек в котором можно отключить музыку</a:t>
+            </a:r>
+          </a:p>
+          <a:p>
+            <a:r>
+              <a:rPr lang="ru-RU" dirty="0"/>
+              <a:t>Выйти – </a:t>
+            </a:r>
+            <a:r>
+              <a:rPr lang="ru-RU" dirty="0" err="1"/>
+              <a:t>спомощю</a:t>
+            </a:r>
+            <a:r>
+              <a:rPr lang="ru-RU" dirty="0"/>
+              <a:t> неё можно вернуться в главное меню</a:t>
+            </a:r>
+          </a:p>
+          <a:p>
+            <a:endParaRPr lang="ru-RU" dirty="0"/>
+          </a:p>
+        </p:txBody>
+      </p:sp>
+      <p:pic>
+        <p:nvPicPr>
+          <p:cNvPr id="5" name="Рисунок 4">
+            <a:extLst>
+              <a:ext uri="{FF2B5EF4-FFF2-40B4-BE49-F238E27FC236}">
+                <a16:creationId xmlns:a16="http://schemas.microsoft.com/office/drawing/2014/main" id="{523FC214-6AA7-85BD-FAA5-E56398409F5B}"/>
+              </a:ext>
+            </a:extLst>
+          </p:cNvPr>
+          <p:cNvPicPr>
+            <a:picLocks noChangeAspect="1"/>
+          </p:cNvPicPr>
+          <p:nvPr/>
+        </p:nvPicPr>
+        <p:blipFill>
+          <a:blip r:embed="rId2"/>
+          <a:stretch>
+            <a:fillRect/>
+          </a:stretch>
+        </p:blipFill>
+        <p:spPr>
+          <a:xfrm>
+            <a:off x="7879976" y="1063323"/>
+            <a:ext cx="3090382" cy="3159262"/>
+          </a:xfrm>
+          <a:prstGeom prst="rect">
+            <a:avLst/>
+          </a:prstGeom>
+        </p:spPr>
+      </p:pic>
+      <p:pic>
+        <p:nvPicPr>
+          <p:cNvPr id="7" name="Рисунок 6">
+            <a:extLst>
+              <a:ext uri="{FF2B5EF4-FFF2-40B4-BE49-F238E27FC236}">
+                <a16:creationId xmlns:a16="http://schemas.microsoft.com/office/drawing/2014/main" id="{0345220E-565F-DE0F-E959-A1E5BA6759BE}"/>
+              </a:ext>
+            </a:extLst>
+          </p:cNvPr>
+          <p:cNvPicPr>
+            <a:picLocks noChangeAspect="1"/>
+          </p:cNvPicPr>
+          <p:nvPr/>
+        </p:nvPicPr>
+        <p:blipFill>
+          <a:blip r:embed="rId3"/>
+          <a:stretch>
+            <a:fillRect/>
+          </a:stretch>
+        </p:blipFill>
+        <p:spPr>
+          <a:xfrm>
+            <a:off x="7808257" y="4404220"/>
+            <a:ext cx="3162101" cy="1772743"/>
+          </a:xfrm>
+          <a:prstGeom prst="rect">
+            <a:avLst/>
+          </a:prstGeom>
+        </p:spPr>
+      </p:pic>
+    </p:spTree>
+    <p:extLst>
+      <p:ext uri="{BB962C8B-B14F-4D97-AF65-F5344CB8AC3E}">
+        <p14:creationId xmlns:p14="http://schemas.microsoft.com/office/powerpoint/2010/main" val="2813457327"/>
+      </p:ext>
+    </p:extLst>
+  </p:cSld>
+  <p:clrMapOvr>
+    <a:masterClrMapping/>
+  </p:clrMapOvr>
+</p:sld>
+</file>
+
+<file path=ppt/slides/slide13.xml><?xml version="1.0" encoding="utf-8"?>
+<p:sld xmlns:a="http://schemas.openxmlformats.org/drawingml/2006/main" xmlns:r="http://schemas.openxmlformats.org/officeDocument/2006/relationships" xmlns:p="http://schemas.openxmlformats.org/presentationml/2006/main">
+  <p:cSld>
+    <p:spTree>
+      <p:nvGrpSpPr>
+        <p:cNvPr id="1" name=""/>
+        <p:cNvGrpSpPr/>
+        <p:nvPr/>
+      </p:nvGrpSpPr>
+      <p:grpSpPr>
+        <a:xfrm>
+          <a:off x="0" y="0"/>
+          <a:ext cx="0" cy="0"/>
+          <a:chOff x="0" y="0"/>
+          <a:chExt cx="0" cy="0"/>
+        </a:xfrm>
+      </p:grpSpPr>
+      <p:sp>
+        <p:nvSpPr>
+          <p:cNvPr id="2" name="Заголовок 1">
+            <a:extLst>
+              <a:ext uri="{FF2B5EF4-FFF2-40B4-BE49-F238E27FC236}">
+                <a16:creationId xmlns:a16="http://schemas.microsoft.com/office/drawing/2014/main" id="{F45FE80A-A751-C0D3-1F16-EB14A80D682F}"/>
+              </a:ext>
+            </a:extLst>
+          </p:cNvPr>
+          <p:cNvSpPr>
+            <a:spLocks noGrp="1"/>
+          </p:cNvSpPr>
+          <p:nvPr>
+            <p:ph type="title"/>
+          </p:nvPr>
+        </p:nvSpPr>
+        <p:spPr/>
+        <p:txBody>
+          <a:bodyPr/>
+          <a:lstStyle/>
+          <a:p>
+            <a:r>
+              <a:rPr lang="ru-RU" dirty="0"/>
+              <a:t>Игровой процесс </a:t>
+            </a:r>
+          </a:p>
+        </p:txBody>
+      </p:sp>
+      <p:sp>
+        <p:nvSpPr>
+          <p:cNvPr id="3" name="Объект 2">
+            <a:extLst>
+              <a:ext uri="{FF2B5EF4-FFF2-40B4-BE49-F238E27FC236}">
+                <a16:creationId xmlns:a16="http://schemas.microsoft.com/office/drawing/2014/main" id="{162D59AC-D7D2-32C4-D198-42EED4C63908}"/>
+              </a:ext>
+            </a:extLst>
+          </p:cNvPr>
+          <p:cNvSpPr>
+            <a:spLocks noGrp="1"/>
+          </p:cNvSpPr>
+          <p:nvPr>
+            <p:ph idx="1"/>
+          </p:nvPr>
+        </p:nvSpPr>
+        <p:spPr>
+          <a:xfrm>
+            <a:off x="838200" y="1825625"/>
+            <a:ext cx="4424081" cy="4351338"/>
+          </a:xfrm>
+        </p:spPr>
+        <p:txBody>
+          <a:bodyPr>
+            <a:normAutofit fontScale="92500" lnSpcReduction="10000"/>
+          </a:bodyPr>
+          <a:lstStyle/>
+          <a:p>
+            <a:r>
+              <a:rPr lang="ru-RU" dirty="0"/>
+              <a:t>Во время игры игроку необходимо собрать кристаллы, что расположены на карте. Количество оставшихся кристаллов на карте  можно видеть в правом нижнем углу. Однако если игрок дойдёт до выхода раньше чем соберёт половину кристаллов игру у него закончить не получится</a:t>
+            </a:r>
+          </a:p>
+        </p:txBody>
+      </p:sp>
+      <p:pic>
+        <p:nvPicPr>
+          <p:cNvPr id="7" name="Рисунок 6">
+            <a:extLst>
+              <a:ext uri="{FF2B5EF4-FFF2-40B4-BE49-F238E27FC236}">
+                <a16:creationId xmlns:a16="http://schemas.microsoft.com/office/drawing/2014/main" id="{D75A6EDF-2689-54A3-BCBA-09786D339DB1}"/>
+              </a:ext>
+            </a:extLst>
+          </p:cNvPr>
+          <p:cNvPicPr>
+            <a:picLocks noChangeAspect="1"/>
+          </p:cNvPicPr>
+          <p:nvPr/>
+        </p:nvPicPr>
+        <p:blipFill>
+          <a:blip r:embed="rId2"/>
+          <a:stretch>
+            <a:fillRect/>
+          </a:stretch>
+        </p:blipFill>
+        <p:spPr>
+          <a:xfrm>
+            <a:off x="5387788" y="1715136"/>
+            <a:ext cx="4226861" cy="2376645"/>
+          </a:xfrm>
+          <a:prstGeom prst="rect">
+            <a:avLst/>
+          </a:prstGeom>
+        </p:spPr>
+      </p:pic>
+      <p:pic>
+        <p:nvPicPr>
+          <p:cNvPr id="9" name="Рисунок 8">
+            <a:extLst>
+              <a:ext uri="{FF2B5EF4-FFF2-40B4-BE49-F238E27FC236}">
+                <a16:creationId xmlns:a16="http://schemas.microsoft.com/office/drawing/2014/main" id="{0F5CF7B3-9340-8816-1D45-BA69B52D3061}"/>
+              </a:ext>
+            </a:extLst>
+          </p:cNvPr>
+          <p:cNvPicPr>
+            <a:picLocks noChangeAspect="1"/>
+          </p:cNvPicPr>
+          <p:nvPr/>
+        </p:nvPicPr>
+        <p:blipFill>
+          <a:blip r:embed="rId3"/>
+          <a:stretch>
+            <a:fillRect/>
+          </a:stretch>
+        </p:blipFill>
+        <p:spPr>
+          <a:xfrm>
+            <a:off x="7377954" y="4295524"/>
+            <a:ext cx="4226860" cy="2376645"/>
+          </a:xfrm>
+          <a:prstGeom prst="rect">
+            <a:avLst/>
+          </a:prstGeom>
+        </p:spPr>
+      </p:pic>
+    </p:spTree>
+    <p:extLst>
+      <p:ext uri="{BB962C8B-B14F-4D97-AF65-F5344CB8AC3E}">
+        <p14:creationId xmlns:p14="http://schemas.microsoft.com/office/powerpoint/2010/main" val="1565924798"/>
+      </p:ext>
+    </p:extLst>
+  </p:cSld>
+  <p:clrMapOvr>
+    <a:masterClrMapping/>
+  </p:clrMapOvr>
+</p:sld>
+</file>
+
+<file path=ppt/slides/slide14.xml><?xml version="1.0" encoding="utf-8"?>
+<p:sld xmlns:a="http://schemas.openxmlformats.org/drawingml/2006/main" xmlns:r="http://schemas.openxmlformats.org/officeDocument/2006/relationships" xmlns:p="http://schemas.openxmlformats.org/presentationml/2006/main">
+  <p:cSld>
+    <p:spTree>
+      <p:nvGrpSpPr>
+        <p:cNvPr id="1" name=""/>
+        <p:cNvGrpSpPr/>
+        <p:nvPr/>
+      </p:nvGrpSpPr>
+      <p:grpSpPr>
+        <a:xfrm>
+          <a:off x="0" y="0"/>
+          <a:ext cx="0" cy="0"/>
+          <a:chOff x="0" y="0"/>
+          <a:chExt cx="0" cy="0"/>
+        </a:xfrm>
+      </p:grpSpPr>
+      <p:sp>
+        <p:nvSpPr>
+          <p:cNvPr id="2" name="Заголовок 1">
+            <a:extLst>
+              <a:ext uri="{FF2B5EF4-FFF2-40B4-BE49-F238E27FC236}">
                 <a16:creationId xmlns:a16="http://schemas.microsoft.com/office/drawing/2014/main" id="{3DC44F28-C565-47A0-9628-92A946632E48}"/>
               </a:ext>
             </a:extLst>
@@ -3627,7 +4223,7 @@
           <a:p>
             <a:r>
               <a:rPr lang="ru-RU" dirty="0"/>
-              <a:t>Своим результатом мы удовлетворены и хотим продолжить работу над проектом, чтобы довести его до уровня полноценной 2</a:t>
+              <a:t>Своим результатом мы удовлетворены и хотим продолжить работу над проектом, чтобы довести его до уровня полноценной сюжетной 2</a:t>
             </a:r>
             <a:r>
               <a:rPr lang="en-US" dirty="0"/>
@@ -4143,7 +4739,7 @@
             </a:r>
             <a:r>
               <a:rPr lang="ru-RU" dirty="0"/>
-              <a:t>150 строк</a:t>
+              <a:t>300 строк</a:t>
             </a:r>
           </a:p>
         </p:txBody>
@@ -4229,7 +4825,15 @@
           <a:p>
             <a:r>
               <a:rPr lang="ru-RU" dirty="0"/>
-              <a:t>Стартовый</a:t>
+              <a:t>Стартовый </a:t>
+            </a:r>
+            <a:r>
+              <a:rPr lang="en-US" dirty="0"/>
+              <a:t>&amp;</a:t>
+            </a:r>
+            <a:r>
+              <a:rPr lang="ru-RU" dirty="0"/>
+              <a:t> Загрузочный</a:t>
             </a:r>
           </a:p>
         </p:txBody>
@@ -4418,7 +5022,7 @@
         </p:blipFill>
         <p:spPr>
           <a:xfrm>
-            <a:off x="1200212" y="2049012"/>
+            <a:off x="1818000" y="1808288"/>
             <a:ext cx="1003175" cy="1269841"/>
           </a:xfrm>
           <a:prstGeom prst="rect">
@@ -4454,7 +5058,7 @@
         </p:blipFill>
         <p:spPr>
           <a:xfrm>
-            <a:off x="3045691" y="2122824"/>
+            <a:off x="4184209" y="2122572"/>
             <a:ext cx="952885" cy="952885"/>
           </a:xfrm>
           <a:prstGeom prst="rect">
@@ -4464,10 +5068,10 @@
       </p:pic>
       <p:pic>
         <p:nvPicPr>
-          <p:cNvPr id="9" name="Рисунок 8">
-            <a:extLst>
-              <a:ext uri="{FF2B5EF4-FFF2-40B4-BE49-F238E27FC236}">
-                <a16:creationId xmlns:a16="http://schemas.microsoft.com/office/drawing/2014/main" id="{56B3931F-6769-4E75-B388-22B8DCBDCCAA}"/>
+          <p:cNvPr id="11" name="Рисунок 10">
+            <a:extLst>
+              <a:ext uri="{FF2B5EF4-FFF2-40B4-BE49-F238E27FC236}">
+                <a16:creationId xmlns:a16="http://schemas.microsoft.com/office/drawing/2014/main" id="{8818E10A-090C-46DE-9E96-08332B82CE5F}"/>
               </a:ext>
             </a:extLst>
           </p:cNvPr>
@@ -4490,8 +5094,8 @@
         </p:blipFill>
         <p:spPr>
           <a:xfrm>
-            <a:off x="4714047" y="2241455"/>
-            <a:ext cx="1610553" cy="869696"/>
+            <a:off x="6304145" y="2162545"/>
+            <a:ext cx="953137" cy="953137"/>
           </a:xfrm>
           <a:prstGeom prst="rect">
             <a:avLst/>
@@ -4500,10 +5104,10 @@
       </p:pic>
       <p:pic>
         <p:nvPicPr>
-          <p:cNvPr id="11" name="Рисунок 10">
-            <a:extLst>
-              <a:ext uri="{FF2B5EF4-FFF2-40B4-BE49-F238E27FC236}">
-                <a16:creationId xmlns:a16="http://schemas.microsoft.com/office/drawing/2014/main" id="{8818E10A-090C-46DE-9E96-08332B82CE5F}"/>
+          <p:cNvPr id="13" name="Рисунок 12">
+            <a:extLst>
+              <a:ext uri="{FF2B5EF4-FFF2-40B4-BE49-F238E27FC236}">
+                <a16:creationId xmlns:a16="http://schemas.microsoft.com/office/drawing/2014/main" id="{184B3CAC-6E1D-4F34-983F-DD8ECBD0001D}"/>
               </a:ext>
             </a:extLst>
           </p:cNvPr>
@@ -4526,8 +5130,8 @@
         </p:blipFill>
         <p:spPr>
           <a:xfrm>
-            <a:off x="6897898" y="2122572"/>
-            <a:ext cx="953137" cy="953137"/>
+            <a:off x="8175159" y="2049012"/>
+            <a:ext cx="1003175" cy="1180205"/>
           </a:xfrm>
           <a:prstGeom prst="rect">
             <a:avLst/>
@@ -4536,10 +5140,10 @@
       </p:pic>
       <p:pic>
         <p:nvPicPr>
-          <p:cNvPr id="13" name="Рисунок 12">
-            <a:extLst>
-              <a:ext uri="{FF2B5EF4-FFF2-40B4-BE49-F238E27FC236}">
-                <a16:creationId xmlns:a16="http://schemas.microsoft.com/office/drawing/2014/main" id="{184B3CAC-6E1D-4F34-983F-DD8ECBD0001D}"/>
+          <p:cNvPr id="15" name="Рисунок 14">
+            <a:extLst>
+              <a:ext uri="{FF2B5EF4-FFF2-40B4-BE49-F238E27FC236}">
+                <a16:creationId xmlns:a16="http://schemas.microsoft.com/office/drawing/2014/main" id="{D19F4CF4-324B-4053-90A2-084267A8FBD0}"/>
               </a:ext>
             </a:extLst>
           </p:cNvPr>
@@ -4562,20 +5166,200 @@
         </p:blipFill>
         <p:spPr>
           <a:xfrm>
-            <a:off x="8424333" y="2049012"/>
-            <a:ext cx="1003175" cy="1180205"/>
+            <a:off x="10140757" y="2122572"/>
+            <a:ext cx="952885" cy="952885"/>
           </a:xfrm>
           <a:prstGeom prst="rect">
             <a:avLst/>
           </a:prstGeom>
         </p:spPr>
       </p:pic>
+      <p:sp>
+        <p:nvSpPr>
+          <p:cNvPr id="17" name="TextBox 16">
+            <a:extLst>
+              <a:ext uri="{FF2B5EF4-FFF2-40B4-BE49-F238E27FC236}">
+                <a16:creationId xmlns:a16="http://schemas.microsoft.com/office/drawing/2014/main" id="{F201DBE5-BE6D-4E04-AB19-6E22596B70FF}"/>
+              </a:ext>
+            </a:extLst>
+          </p:cNvPr>
+          <p:cNvSpPr txBox="1"/>
+          <p:nvPr/>
+        </p:nvSpPr>
+        <p:spPr>
+          <a:xfrm>
+            <a:off x="3896723" y="3363180"/>
+            <a:ext cx="1361939" cy="369332"/>
+          </a:xfrm>
+          <a:prstGeom prst="rect">
+            <a:avLst/>
+          </a:prstGeom>
+          <a:noFill/>
+        </p:spPr>
+        <p:txBody>
+          <a:bodyPr wrap="square" rtlCol="0">
+            <a:spAutoFit/>
+          </a:bodyPr>
+          <a:lstStyle/>
+          <a:p>
+            <a:r>
+              <a:rPr lang="en-US" dirty="0"/>
+              <a:t>background</a:t>
+            </a:r>
+            <a:endParaRPr lang="ru-RU" dirty="0"/>
+          </a:p>
+        </p:txBody>
+      </p:sp>
+      <p:sp>
+        <p:nvSpPr>
+          <p:cNvPr id="19" name="TextBox 18">
+            <a:extLst>
+              <a:ext uri="{FF2B5EF4-FFF2-40B4-BE49-F238E27FC236}">
+                <a16:creationId xmlns:a16="http://schemas.microsoft.com/office/drawing/2014/main" id="{6C424E7E-0442-4F02-9F96-DEBF5ED9578E}"/>
+              </a:ext>
+            </a:extLst>
+          </p:cNvPr>
+          <p:cNvSpPr txBox="1"/>
+          <p:nvPr/>
+        </p:nvSpPr>
+        <p:spPr>
+          <a:xfrm>
+            <a:off x="6322712" y="3392644"/>
+            <a:ext cx="1221255" cy="369332"/>
+          </a:xfrm>
+          <a:prstGeom prst="rect">
+            <a:avLst/>
+          </a:prstGeom>
+          <a:noFill/>
+        </p:spPr>
+        <p:txBody>
+          <a:bodyPr wrap="square" rtlCol="0">
+            <a:spAutoFit/>
+          </a:bodyPr>
+          <a:lstStyle/>
+          <a:p>
+            <a:r>
+              <a:rPr lang="en-US" dirty="0"/>
+              <a:t>lianas</a:t>
+            </a:r>
+            <a:endParaRPr lang="ru-RU" dirty="0"/>
+          </a:p>
+        </p:txBody>
+      </p:sp>
+      <p:sp>
+        <p:nvSpPr>
+          <p:cNvPr id="20" name="TextBox 19">
+            <a:extLst>
+              <a:ext uri="{FF2B5EF4-FFF2-40B4-BE49-F238E27FC236}">
+                <a16:creationId xmlns:a16="http://schemas.microsoft.com/office/drawing/2014/main" id="{E9FF73BF-A634-41CE-AA75-38AA56776889}"/>
+              </a:ext>
+            </a:extLst>
+          </p:cNvPr>
+          <p:cNvSpPr txBox="1"/>
+          <p:nvPr/>
+        </p:nvSpPr>
+        <p:spPr>
+          <a:xfrm>
+            <a:off x="8311496" y="3363180"/>
+            <a:ext cx="1221255" cy="369332"/>
+          </a:xfrm>
+          <a:prstGeom prst="rect">
+            <a:avLst/>
+          </a:prstGeom>
+          <a:noFill/>
+        </p:spPr>
+        <p:txBody>
+          <a:bodyPr wrap="square" rtlCol="0">
+            <a:spAutoFit/>
+          </a:bodyPr>
+          <a:lstStyle/>
+          <a:p>
+            <a:r>
+              <a:rPr lang="en-US" dirty="0"/>
+              <a:t>stone</a:t>
+            </a:r>
+            <a:endParaRPr lang="ru-RU" dirty="0"/>
+          </a:p>
+        </p:txBody>
+      </p:sp>
+      <p:sp>
+        <p:nvSpPr>
+          <p:cNvPr id="21" name="TextBox 20">
+            <a:extLst>
+              <a:ext uri="{FF2B5EF4-FFF2-40B4-BE49-F238E27FC236}">
+                <a16:creationId xmlns:a16="http://schemas.microsoft.com/office/drawing/2014/main" id="{46F10A00-4F4A-4E26-AA04-E78B9570E508}"/>
+              </a:ext>
+            </a:extLst>
+          </p:cNvPr>
+          <p:cNvSpPr txBox="1"/>
+          <p:nvPr/>
+        </p:nvSpPr>
+        <p:spPr>
+          <a:xfrm>
+            <a:off x="10006571" y="3286587"/>
+            <a:ext cx="1221255" cy="369332"/>
+          </a:xfrm>
+          <a:prstGeom prst="rect">
+            <a:avLst/>
+          </a:prstGeom>
+          <a:noFill/>
+        </p:spPr>
+        <p:txBody>
+          <a:bodyPr wrap="square" rtlCol="0">
+            <a:spAutoFit/>
+          </a:bodyPr>
+          <a:lstStyle/>
+          <a:p>
+            <a:r>
+              <a:rPr lang="en-US" dirty="0"/>
+              <a:t>wall</a:t>
+            </a:r>
+            <a:endParaRPr lang="ru-RU" dirty="0"/>
+          </a:p>
+        </p:txBody>
+      </p:sp>
+      <p:sp>
+        <p:nvSpPr>
+          <p:cNvPr id="22" name="TextBox 21">
+            <a:extLst>
+              <a:ext uri="{FF2B5EF4-FFF2-40B4-BE49-F238E27FC236}">
+                <a16:creationId xmlns:a16="http://schemas.microsoft.com/office/drawing/2014/main" id="{73C8782E-446A-4484-BD0D-E19C75D6A3DD}"/>
+              </a:ext>
+            </a:extLst>
+          </p:cNvPr>
+          <p:cNvSpPr txBox="1"/>
+          <p:nvPr/>
+        </p:nvSpPr>
+        <p:spPr>
+          <a:xfrm>
+            <a:off x="1907939" y="3286587"/>
+            <a:ext cx="1221255" cy="369332"/>
+          </a:xfrm>
+          <a:prstGeom prst="rect">
+            <a:avLst/>
+          </a:prstGeom>
+          <a:noFill/>
+        </p:spPr>
+        <p:txBody>
+          <a:bodyPr wrap="square" rtlCol="0">
+            <a:spAutoFit/>
+          </a:bodyPr>
+          <a:lstStyle/>
+          <a:p>
+            <a:r>
+              <a:rPr lang="en-US" dirty="0"/>
+              <a:t>hero</a:t>
+            </a:r>
+            <a:endParaRPr lang="ru-RU" dirty="0"/>
+          </a:p>
+        </p:txBody>
+      </p:sp>
       <p:pic>
         <p:nvPicPr>
-          <p:cNvPr id="15" name="Рисунок 14">
-            <a:extLst>
-              <a:ext uri="{FF2B5EF4-FFF2-40B4-BE49-F238E27FC236}">
-                <a16:creationId xmlns:a16="http://schemas.microsoft.com/office/drawing/2014/main" id="{D19F4CF4-324B-4053-90A2-084267A8FBD0}"/>
+          <p:cNvPr id="4" name="Рисунок 3">
+            <a:extLst>
+              <a:ext uri="{FF2B5EF4-FFF2-40B4-BE49-F238E27FC236}">
+                <a16:creationId xmlns:a16="http://schemas.microsoft.com/office/drawing/2014/main" id="{AE573BE1-895E-2610-C3D0-1B91C7ED60E6}"/>
               </a:ext>
             </a:extLst>
           </p:cNvPr>
@@ -4598,20 +5382,56 @@
         </p:blipFill>
         <p:spPr>
           <a:xfrm>
-            <a:off x="10140757" y="2122572"/>
-            <a:ext cx="952885" cy="952885"/>
+            <a:off x="2821175" y="3835767"/>
+            <a:ext cx="953137" cy="953137"/>
           </a:xfrm>
           <a:prstGeom prst="rect">
             <a:avLst/>
           </a:prstGeom>
         </p:spPr>
       </p:pic>
-      <p:sp>
-        <p:nvSpPr>
-          <p:cNvPr id="17" name="TextBox 16">
-            <a:extLst>
-              <a:ext uri="{FF2B5EF4-FFF2-40B4-BE49-F238E27FC236}">
-                <a16:creationId xmlns:a16="http://schemas.microsoft.com/office/drawing/2014/main" id="{F201DBE5-BE6D-4E04-AB19-6E22596B70FF}"/>
+      <p:pic>
+        <p:nvPicPr>
+          <p:cNvPr id="8" name="Рисунок 7">
+            <a:extLst>
+              <a:ext uri="{FF2B5EF4-FFF2-40B4-BE49-F238E27FC236}">
+                <a16:creationId xmlns:a16="http://schemas.microsoft.com/office/drawing/2014/main" id="{9F343D05-F0B5-32AE-E275-184B5C2DA5FA}"/>
+              </a:ext>
+            </a:extLst>
+          </p:cNvPr>
+          <p:cNvPicPr>
+            <a:picLocks noChangeAspect="1"/>
+          </p:cNvPicPr>
+          <p:nvPr/>
+        </p:nvPicPr>
+        <p:blipFill>
+          <a:blip r:embed="rId8">
+            <a:extLst>
+              <a:ext uri="{28A0092B-C50C-407E-A947-70E740481C1C}">
+                <a14:useLocalDpi xmlns:a14="http://schemas.microsoft.com/office/drawing/2010/main" val="0"/>
+              </a:ext>
+            </a:extLst>
+          </a:blip>
+          <a:stretch>
+            <a:fillRect/>
+          </a:stretch>
+        </p:blipFill>
+        <p:spPr>
+          <a:xfrm>
+            <a:off x="7358359" y="3835767"/>
+            <a:ext cx="953137" cy="953137"/>
+          </a:xfrm>
+          <a:prstGeom prst="rect">
+            <a:avLst/>
+          </a:prstGeom>
+        </p:spPr>
+      </p:pic>
+      <p:sp>
+        <p:nvSpPr>
+          <p:cNvPr id="10" name="TextBox 9">
+            <a:extLst>
+              <a:ext uri="{FF2B5EF4-FFF2-40B4-BE49-F238E27FC236}">
+                <a16:creationId xmlns:a16="http://schemas.microsoft.com/office/drawing/2014/main" id="{9AE3AF34-8276-C9D1-7BE2-065FCEDCE7EC}"/>
               </a:ext>
             </a:extLst>
           </p:cNvPr>
@@ -4620,8 +5440,8 @@
         </p:nvSpPr>
         <p:spPr>
           <a:xfrm>
-            <a:off x="2911505" y="3361268"/>
-            <a:ext cx="1361939" cy="369332"/>
+            <a:off x="2821175" y="4847394"/>
+            <a:ext cx="1132231" cy="369332"/>
           </a:xfrm>
           <a:prstGeom prst="rect">
             <a:avLst/>
@@ -4636,7 +5456,7 @@
           <a:p>
             <a:r>
               <a:rPr lang="en-US" dirty="0"/>
-              <a:t>background</a:t>
+              <a:t>Diamond</a:t>
             </a:r>
             <a:endParaRPr lang="ru-RU" dirty="0"/>
           </a:p>
@@ -4644,10 +5464,10 @@
       </p:sp>
       <p:sp>
         <p:nvSpPr>
-          <p:cNvPr id="18" name="TextBox 17">
-            <a:extLst>
-              <a:ext uri="{FF2B5EF4-FFF2-40B4-BE49-F238E27FC236}">
-                <a16:creationId xmlns:a16="http://schemas.microsoft.com/office/drawing/2014/main" id="{3F18F459-E389-42BE-B4C2-7DCB544806E2}"/>
+          <p:cNvPr id="12" name="TextBox 11">
+            <a:extLst>
+              <a:ext uri="{FF2B5EF4-FFF2-40B4-BE49-F238E27FC236}">
+                <a16:creationId xmlns:a16="http://schemas.microsoft.com/office/drawing/2014/main" id="{5DB0AADF-6162-7710-D55B-EE0BB310E586}"/>
               </a:ext>
             </a:extLst>
           </p:cNvPr>
@@ -4656,8 +5476,8 @@
         </p:nvSpPr>
         <p:spPr>
           <a:xfrm>
-            <a:off x="4908695" y="3412067"/>
-            <a:ext cx="1221255" cy="369332"/>
+            <a:off x="7358359" y="4844824"/>
+            <a:ext cx="1132231" cy="369332"/>
           </a:xfrm>
           <a:prstGeom prst="rect">
             <a:avLst/>
@@ -4671,152 +5491,8 @@
           <a:lstStyle/>
           <a:p>
             <a:r>
-              <a:rPr lang="en-US" dirty="0" err="1"/>
-              <a:t>gadyka</a:t>
-            </a:r>
-            <a:endParaRPr lang="ru-RU" dirty="0"/>
-          </a:p>
-        </p:txBody>
-      </p:sp>
-      <p:sp>
-        <p:nvSpPr>
-          <p:cNvPr id="19" name="TextBox 18">
-            <a:extLst>
-              <a:ext uri="{FF2B5EF4-FFF2-40B4-BE49-F238E27FC236}">
-                <a16:creationId xmlns:a16="http://schemas.microsoft.com/office/drawing/2014/main" id="{6C424E7E-0442-4F02-9F96-DEBF5ED9578E}"/>
-              </a:ext>
-            </a:extLst>
-          </p:cNvPr>
-          <p:cNvSpPr txBox="1"/>
-          <p:nvPr/>
-        </p:nvSpPr>
-        <p:spPr>
-          <a:xfrm>
-            <a:off x="6933339" y="3361268"/>
-            <a:ext cx="1221255" cy="369332"/>
-          </a:xfrm>
-          <a:prstGeom prst="rect">
-            <a:avLst/>
-          </a:prstGeom>
-          <a:noFill/>
-        </p:spPr>
-        <p:txBody>
-          <a:bodyPr wrap="square" rtlCol="0">
-            <a:spAutoFit/>
-          </a:bodyPr>
-          <a:lstStyle/>
-          <a:p>
-            <a:r>
               <a:rPr lang="en-US" dirty="0"/>
-              <a:t>lianas</a:t>
-            </a:r>
-            <a:endParaRPr lang="ru-RU" dirty="0"/>
-          </a:p>
-        </p:txBody>
-      </p:sp>
-      <p:sp>
-        <p:nvSpPr>
-          <p:cNvPr id="20" name="TextBox 19">
-            <a:extLst>
-              <a:ext uri="{FF2B5EF4-FFF2-40B4-BE49-F238E27FC236}">
-                <a16:creationId xmlns:a16="http://schemas.microsoft.com/office/drawing/2014/main" id="{E9FF73BF-A634-41CE-AA75-38AA56776889}"/>
-              </a:ext>
-            </a:extLst>
-          </p:cNvPr>
-          <p:cNvSpPr txBox="1"/>
-          <p:nvPr/>
-        </p:nvSpPr>
-        <p:spPr>
-          <a:xfrm>
-            <a:off x="8347355" y="3361268"/>
-            <a:ext cx="1221255" cy="369332"/>
-          </a:xfrm>
-          <a:prstGeom prst="rect">
-            <a:avLst/>
-          </a:prstGeom>
-          <a:noFill/>
-        </p:spPr>
-        <p:txBody>
-          <a:bodyPr wrap="square" rtlCol="0">
-            <a:spAutoFit/>
-          </a:bodyPr>
-          <a:lstStyle/>
-          <a:p>
-            <a:r>
-              <a:rPr lang="en-US" dirty="0"/>
-              <a:t>stone</a:t>
-            </a:r>
-            <a:endParaRPr lang="ru-RU" dirty="0"/>
-          </a:p>
-        </p:txBody>
-      </p:sp>
-      <p:sp>
-        <p:nvSpPr>
-          <p:cNvPr id="21" name="TextBox 20">
-            <a:extLst>
-              <a:ext uri="{FF2B5EF4-FFF2-40B4-BE49-F238E27FC236}">
-                <a16:creationId xmlns:a16="http://schemas.microsoft.com/office/drawing/2014/main" id="{46F10A00-4F4A-4E26-AA04-E78B9570E508}"/>
-              </a:ext>
-            </a:extLst>
-          </p:cNvPr>
-          <p:cNvSpPr txBox="1"/>
-          <p:nvPr/>
-        </p:nvSpPr>
-        <p:spPr>
-          <a:xfrm>
-            <a:off x="10006571" y="3286587"/>
-            <a:ext cx="1221255" cy="369332"/>
-          </a:xfrm>
-          <a:prstGeom prst="rect">
-            <a:avLst/>
-          </a:prstGeom>
-          <a:noFill/>
-        </p:spPr>
-        <p:txBody>
-          <a:bodyPr wrap="square" rtlCol="0">
-            <a:spAutoFit/>
-          </a:bodyPr>
-          <a:lstStyle/>
-          <a:p>
-            <a:r>
-              <a:rPr lang="en-US" dirty="0"/>
-              <a:t>wall</a:t>
-            </a:r>
-            <a:endParaRPr lang="ru-RU" dirty="0"/>
-          </a:p>
-        </p:txBody>
-      </p:sp>
-      <p:sp>
-        <p:nvSpPr>
-          <p:cNvPr id="22" name="TextBox 21">
-            <a:extLst>
-              <a:ext uri="{FF2B5EF4-FFF2-40B4-BE49-F238E27FC236}">
-                <a16:creationId xmlns:a16="http://schemas.microsoft.com/office/drawing/2014/main" id="{73C8782E-446A-4484-BD0D-E19C75D6A3DD}"/>
-              </a:ext>
-            </a:extLst>
-          </p:cNvPr>
-          <p:cNvSpPr txBox="1"/>
-          <p:nvPr/>
-        </p:nvSpPr>
-        <p:spPr>
-          <a:xfrm>
-            <a:off x="1200212" y="3429000"/>
-            <a:ext cx="1221255" cy="369332"/>
-          </a:xfrm>
-          <a:prstGeom prst="rect">
-            <a:avLst/>
-          </a:prstGeom>
-          <a:noFill/>
-        </p:spPr>
-        <p:txBody>
-          <a:bodyPr wrap="square" rtlCol="0">
-            <a:spAutoFit/>
-          </a:bodyPr>
-          <a:lstStyle/>
-          <a:p>
-            <a:r>
-              <a:rPr lang="en-US" dirty="0"/>
-              <a:t>hero</a:t>
+              <a:t>Exit</a:t>
             </a:r>
             <a:endParaRPr lang="ru-RU" dirty="0"/>
           </a:p>
@@ -5133,12 +5809,77 @@
             <p:ph idx="1"/>
           </p:nvPr>
         </p:nvSpPr>
-        <p:spPr/>
-        <p:txBody>
-          <a:bodyPr/>
-          <a:lstStyle/>
-          <a:p>
-            <a:endParaRPr lang="ru-RU"/>
+        <p:spPr>
+          <a:xfrm>
+            <a:off x="712694" y="1825625"/>
+            <a:ext cx="10515600" cy="4351338"/>
+          </a:xfrm>
+        </p:spPr>
+        <p:txBody>
+          <a:bodyPr>
+            <a:normAutofit lnSpcReduction="10000"/>
+          </a:bodyPr>
+          <a:lstStyle/>
+          <a:p>
+            <a:r>
+              <a:rPr lang="ru-RU" dirty="0"/>
+              <a:t>Уровни хранятся в формате текстовом файле, под условными обозначениями:</a:t>
+            </a:r>
+          </a:p>
+          <a:p>
+            <a:r>
+              <a:rPr lang="en-US" dirty="0"/>
+              <a:t>"h": Hero,</a:t>
+            </a:r>
+          </a:p>
+          <a:p>
+            <a:r>
+              <a:rPr lang="en-US" dirty="0"/>
+              <a:t>"b": Background,</a:t>
+            </a:r>
+          </a:p>
+          <a:p>
+            <a:r>
+              <a:rPr lang="en-US" dirty="0"/>
+              <a:t>"w": Wall,</a:t>
+            </a:r>
+          </a:p>
+          <a:p>
+            <a:r>
+              <a:rPr lang="en-US" dirty="0"/>
+              <a:t>"s": Stone,</a:t>
+            </a:r>
+          </a:p>
+          <a:p>
+            <a:r>
+              <a:rPr lang="en-US" dirty="0"/>
+              <a:t>"l": Lianas,</a:t>
+            </a:r>
+          </a:p>
+          <a:p>
+            <a:r>
+              <a:rPr lang="ru-RU" dirty="0"/>
+              <a:t>"</a:t>
+            </a:r>
+            <a:r>
+              <a:rPr lang="en-US" dirty="0"/>
+              <a:t>d</a:t>
+            </a:r>
+            <a:r>
+              <a:rPr lang="ru-RU" dirty="0"/>
+              <a:t>"</a:t>
+            </a:r>
+            <a:r>
+              <a:rPr lang="en-US" dirty="0"/>
+              <a:t>: Diamond,</a:t>
+            </a:r>
+          </a:p>
+          <a:p>
+            <a:r>
+              <a:rPr lang="en-US" dirty="0"/>
+              <a:t>"e": Exit</a:t>
+            </a:r>
+            <a:endParaRPr lang="ru-RU" dirty="0"/>
           </a:p>
         </p:txBody>
       </p:sp>
@@ -5234,8 +5975,12 @@
           </a:p>
           <a:p>
             <a:r>
+              <a:rPr lang="en-US" dirty="0"/>
+              <a:t>C</a:t>
+            </a:r>
+            <a:r>
               <a:rPr lang="ru-RU" dirty="0"/>
-              <a:t>Ползание по лианам</a:t>
+              <a:t>бор кристаллов</a:t>
             </a:r>
           </a:p>
           <a:p>

--- a/документы/проект2.pptx
+++ b/документы/проект2.pptx
@@ -4502,7 +4502,7 @@
           <a:p>
             <a:r>
               <a:rPr lang="ru-RU" dirty="0"/>
-              <a:t>В проекте суммарно более 700 строк кода</a:t>
+              <a:t>В проекте суммарно около 1000 строк кода</a:t>
             </a:r>
           </a:p>
         </p:txBody>

--- a/документы/проект2.pptx
+++ b/документы/проект2.pptx
@@ -12,13 +12,9 @@
     <p:sldId id="260" r:id="rId6"/>
     <p:sldId id="261" r:id="rId7"/>
     <p:sldId id="262" r:id="rId8"/>
-    <p:sldId id="263" r:id="rId9"/>
-    <p:sldId id="267" r:id="rId10"/>
-    <p:sldId id="264" r:id="rId11"/>
-    <p:sldId id="268" r:id="rId12"/>
-    <p:sldId id="269" r:id="rId13"/>
-    <p:sldId id="270" r:id="rId14"/>
-    <p:sldId id="266" r:id="rId15"/>
+    <p:sldId id="267" r:id="rId9"/>
+    <p:sldId id="264" r:id="rId10"/>
+    <p:sldId id="266" r:id="rId11"/>
   </p:sldIdLst>
   <p:sldSz cx="12192000" cy="6858000"/>
   <p:notesSz cx="6858000" cy="9144000"/>
@@ -3403,7 +3399,138 @@
           <a:p>
             <a:r>
               <a:rPr lang="ru-RU" dirty="0"/>
-              <a:t>Савунов Дмитрий и Изюмов Матвей </a:t>
+              <a:t>Изюмов Матвей и </a:t>
+            </a:r>
+            <a:r>
+              <a:rPr lang="ru-RU" dirty="0" err="1"/>
+              <a:t>Савунов</a:t>
+            </a:r>
+            <a:r>
+              <a:rPr lang="ru-RU" dirty="0"/>
+              <a:t> Дмитрий</a:t>
+            </a:r>
+          </a:p>
+        </p:txBody>
+      </p:sp>
+      <p:sp>
+        <p:nvSpPr>
+          <p:cNvPr id="4" name="TextBox 3">
+            <a:extLst>
+              <a:ext uri="{FF2B5EF4-FFF2-40B4-BE49-F238E27FC236}">
+                <a16:creationId xmlns:a16="http://schemas.microsoft.com/office/drawing/2014/main" id="{78C3FB2A-F686-4B6F-A2EF-76DD945DC755}"/>
+              </a:ext>
+            </a:extLst>
+          </p:cNvPr>
+          <p:cNvSpPr txBox="1"/>
+          <p:nvPr/>
+        </p:nvSpPr>
+        <p:spPr>
+          <a:xfrm>
+            <a:off x="4358640" y="5257800"/>
+            <a:ext cx="3474720" cy="1200329"/>
+          </a:xfrm>
+          <a:prstGeom prst="rect">
+            <a:avLst/>
+          </a:prstGeom>
+          <a:noFill/>
+        </p:spPr>
+        <p:txBody>
+          <a:bodyPr wrap="square" rtlCol="0">
+            <a:spAutoFit/>
+          </a:bodyPr>
+          <a:lstStyle/>
+          <a:p>
+            <a:pPr algn="ctr"/>
+            <a:r>
+              <a:rPr lang="ru-RU" dirty="0"/>
+              <a:t>Проект №2 по модулю </a:t>
+            </a:r>
+            <a:r>
+              <a:rPr lang="en-US" dirty="0" err="1"/>
+              <a:t>pygame</a:t>
+            </a:r>
+            <a:endParaRPr lang="ru-RU" dirty="0"/>
+          </a:p>
+          <a:p>
+            <a:pPr algn="ctr"/>
+            <a:r>
+              <a:rPr lang="ru-RU" dirty="0"/>
+              <a:t>Яндекс лицей</a:t>
+            </a:r>
+          </a:p>
+          <a:p>
+            <a:pPr algn="ctr"/>
+            <a:r>
+              <a:rPr lang="ru-RU" dirty="0"/>
+              <a:t>Руководитель: </a:t>
+            </a:r>
+            <a:r>
+              <a:rPr lang="ru-RU" dirty="0" err="1"/>
+              <a:t>Хузиахметов</a:t>
+            </a:r>
+            <a:r>
+              <a:rPr lang="ru-RU" dirty="0"/>
+              <a:t> Артур </a:t>
+            </a:r>
+            <a:r>
+              <a:rPr lang="ru-RU" dirty="0" err="1"/>
+              <a:t>Хатипович</a:t>
+            </a:r>
+            <a:endParaRPr lang="ru-RU" dirty="0"/>
+          </a:p>
+        </p:txBody>
+      </p:sp>
+      <p:sp>
+        <p:nvSpPr>
+          <p:cNvPr id="5" name="TextBox 4">
+            <a:extLst>
+              <a:ext uri="{FF2B5EF4-FFF2-40B4-BE49-F238E27FC236}">
+                <a16:creationId xmlns:a16="http://schemas.microsoft.com/office/drawing/2014/main" id="{564699BA-19B5-49C7-BAC7-DBF645FF44AC}"/>
+              </a:ext>
+            </a:extLst>
+          </p:cNvPr>
+          <p:cNvSpPr txBox="1"/>
+          <p:nvPr/>
+        </p:nvSpPr>
+        <p:spPr>
+          <a:xfrm>
+            <a:off x="8834511" y="5257800"/>
+            <a:ext cx="2518117" cy="1200329"/>
+          </a:xfrm>
+          <a:prstGeom prst="rect">
+            <a:avLst/>
+          </a:prstGeom>
+          <a:noFill/>
+        </p:spPr>
+        <p:txBody>
+          <a:bodyPr wrap="square" rtlCol="0">
+            <a:spAutoFit/>
+          </a:bodyPr>
+          <a:lstStyle/>
+          <a:p>
+            <a:r>
+              <a:rPr lang="ru-RU" dirty="0"/>
+              <a:t>Г. Череповец</a:t>
+            </a:r>
+          </a:p>
+          <a:p>
+            <a:r>
+              <a:rPr lang="ru-RU" dirty="0"/>
+              <a:t>Детский технопарк «</a:t>
+            </a:r>
+            <a:r>
+              <a:rPr lang="ru-RU" dirty="0" err="1"/>
+              <a:t>Кванториум</a:t>
+            </a:r>
+            <a:r>
+              <a:rPr lang="ru-RU" dirty="0"/>
+              <a:t>»</a:t>
+            </a:r>
+          </a:p>
+          <a:p>
+            <a:r>
+              <a:rPr lang="ru-RU"/>
+              <a:t>2025г.</a:t>
             </a:r>
           </a:p>
         </p:txBody>
@@ -3443,740 +3570,6 @@
           <p:cNvPr id="2" name="Заголовок 1">
             <a:extLst>
               <a:ext uri="{FF2B5EF4-FFF2-40B4-BE49-F238E27FC236}">
-                <a16:creationId xmlns:a16="http://schemas.microsoft.com/office/drawing/2014/main" id="{4F9632FE-8C8B-4332-BC5C-9AFF2F115485}"/>
-              </a:ext>
-            </a:extLst>
-          </p:cNvPr>
-          <p:cNvSpPr>
-            <a:spLocks noGrp="1"/>
-          </p:cNvSpPr>
-          <p:nvPr>
-            <p:ph type="title"/>
-          </p:nvPr>
-        </p:nvSpPr>
-        <p:spPr/>
-        <p:txBody>
-          <a:bodyPr/>
-          <a:lstStyle/>
-          <a:p>
-            <a:r>
-              <a:rPr lang="ru-RU" dirty="0"/>
-              <a:t>Хранение данных</a:t>
-            </a:r>
-          </a:p>
-        </p:txBody>
-      </p:sp>
-      <p:pic>
-        <p:nvPicPr>
-          <p:cNvPr id="4" name="Объект 3">
-            <a:extLst>
-              <a:ext uri="{FF2B5EF4-FFF2-40B4-BE49-F238E27FC236}">
-                <a16:creationId xmlns:a16="http://schemas.microsoft.com/office/drawing/2014/main" id="{5DBD99F7-D9DD-4E0B-81F4-337F17BD75C6}"/>
-              </a:ext>
-            </a:extLst>
-          </p:cNvPr>
-          <p:cNvPicPr>
-            <a:picLocks noGrp="1" noChangeAspect="1"/>
-          </p:cNvPicPr>
-          <p:nvPr>
-            <p:ph idx="1"/>
-          </p:nvPr>
-        </p:nvPicPr>
-        <p:blipFill>
-          <a:blip r:embed="rId2"/>
-          <a:stretch>
-            <a:fillRect/>
-          </a:stretch>
-        </p:blipFill>
-        <p:spPr>
-          <a:xfrm>
-            <a:off x="838200" y="2388732"/>
-            <a:ext cx="4791744" cy="2734057"/>
-          </a:xfrm>
-          <a:prstGeom prst="rect">
-            <a:avLst/>
-          </a:prstGeom>
-        </p:spPr>
-      </p:pic>
-      <p:sp>
-        <p:nvSpPr>
-          <p:cNvPr id="5" name="TextBox 4">
-            <a:extLst>
-              <a:ext uri="{FF2B5EF4-FFF2-40B4-BE49-F238E27FC236}">
-                <a16:creationId xmlns:a16="http://schemas.microsoft.com/office/drawing/2014/main" id="{9D81D392-BA47-4B14-AA02-D7110BF7DB02}"/>
-              </a:ext>
-            </a:extLst>
-          </p:cNvPr>
-          <p:cNvSpPr txBox="1"/>
-          <p:nvPr/>
-        </p:nvSpPr>
-        <p:spPr>
-          <a:xfrm>
-            <a:off x="1143000" y="1828800"/>
-            <a:ext cx="2133600" cy="369332"/>
-          </a:xfrm>
-          <a:prstGeom prst="rect">
-            <a:avLst/>
-          </a:prstGeom>
-          <a:noFill/>
-        </p:spPr>
-        <p:txBody>
-          <a:bodyPr wrap="square" rtlCol="0">
-            <a:spAutoFit/>
-          </a:bodyPr>
-          <a:lstStyle/>
-          <a:p>
-            <a:r>
-              <a:rPr lang="ru-RU" dirty="0"/>
-              <a:t>Уровни в </a:t>
-            </a:r>
-            <a:r>
-              <a:rPr lang="en-US" dirty="0"/>
-              <a:t>txt</a:t>
-            </a:r>
-            <a:r>
-              <a:rPr lang="ru-RU" dirty="0"/>
-              <a:t>-файле</a:t>
-            </a:r>
-          </a:p>
-        </p:txBody>
-      </p:sp>
-      <p:pic>
-        <p:nvPicPr>
-          <p:cNvPr id="6" name="Рисунок 5">
-            <a:extLst>
-              <a:ext uri="{FF2B5EF4-FFF2-40B4-BE49-F238E27FC236}">
-                <a16:creationId xmlns:a16="http://schemas.microsoft.com/office/drawing/2014/main" id="{9F3DF8E8-1B9B-4F98-8359-42873CB039FC}"/>
-              </a:ext>
-            </a:extLst>
-          </p:cNvPr>
-          <p:cNvPicPr>
-            <a:picLocks noChangeAspect="1"/>
-          </p:cNvPicPr>
-          <p:nvPr/>
-        </p:nvPicPr>
-        <p:blipFill>
-          <a:blip r:embed="rId3"/>
-          <a:stretch>
-            <a:fillRect/>
-          </a:stretch>
-        </p:blipFill>
-        <p:spPr>
-          <a:xfrm>
-            <a:off x="6708757" y="2388731"/>
-            <a:ext cx="4258596" cy="829597"/>
-          </a:xfrm>
-          <a:prstGeom prst="rect">
-            <a:avLst/>
-          </a:prstGeom>
-        </p:spPr>
-      </p:pic>
-      <p:sp>
-        <p:nvSpPr>
-          <p:cNvPr id="8" name="TextBox 7">
-            <a:extLst>
-              <a:ext uri="{FF2B5EF4-FFF2-40B4-BE49-F238E27FC236}">
-                <a16:creationId xmlns:a16="http://schemas.microsoft.com/office/drawing/2014/main" id="{03A2121F-6E2E-8A13-AAEE-2313D3C66AAB}"/>
-              </a:ext>
-            </a:extLst>
-          </p:cNvPr>
-          <p:cNvSpPr txBox="1"/>
-          <p:nvPr/>
-        </p:nvSpPr>
-        <p:spPr>
-          <a:xfrm>
-            <a:off x="6840071" y="1828800"/>
-            <a:ext cx="3931024" cy="369332"/>
-          </a:xfrm>
-          <a:prstGeom prst="rect">
-            <a:avLst/>
-          </a:prstGeom>
-          <a:noFill/>
-        </p:spPr>
-        <p:txBody>
-          <a:bodyPr wrap="square" rtlCol="0">
-            <a:spAutoFit/>
-          </a:bodyPr>
-          <a:lstStyle/>
-          <a:p>
-            <a:r>
-              <a:rPr lang="ru-RU" dirty="0"/>
-              <a:t>Настройки и сохранения в </a:t>
-            </a:r>
-            <a:r>
-              <a:rPr lang="en-US" dirty="0"/>
-              <a:t>csv</a:t>
-            </a:r>
-            <a:r>
-              <a:rPr lang="ru-RU" dirty="0"/>
-              <a:t>-файле</a:t>
-            </a:r>
-          </a:p>
-        </p:txBody>
-      </p:sp>
-    </p:spTree>
-    <p:extLst>
-      <p:ext uri="{BB962C8B-B14F-4D97-AF65-F5344CB8AC3E}">
-        <p14:creationId xmlns:p14="http://schemas.microsoft.com/office/powerpoint/2010/main" val="3830201564"/>
-      </p:ext>
-    </p:extLst>
-  </p:cSld>
-  <p:clrMapOvr>
-    <a:masterClrMapping/>
-  </p:clrMapOvr>
-</p:sld>
-</file>
-
-<file path=ppt/slides/slide11.xml><?xml version="1.0" encoding="utf-8"?>
-<p:sld xmlns:a="http://schemas.openxmlformats.org/drawingml/2006/main" xmlns:r="http://schemas.openxmlformats.org/officeDocument/2006/relationships" xmlns:p="http://schemas.openxmlformats.org/presentationml/2006/main">
-  <p:cSld>
-    <p:spTree>
-      <p:nvGrpSpPr>
-        <p:cNvPr id="1" name=""/>
-        <p:cNvGrpSpPr/>
-        <p:nvPr/>
-      </p:nvGrpSpPr>
-      <p:grpSpPr>
-        <a:xfrm>
-          <a:off x="0" y="0"/>
-          <a:ext cx="0" cy="0"/>
-          <a:chOff x="0" y="0"/>
-          <a:chExt cx="0" cy="0"/>
-        </a:xfrm>
-      </p:grpSpPr>
-      <p:sp>
-        <p:nvSpPr>
-          <p:cNvPr id="2" name="Заголовок 1">
-            <a:extLst>
-              <a:ext uri="{FF2B5EF4-FFF2-40B4-BE49-F238E27FC236}">
-                <a16:creationId xmlns:a16="http://schemas.microsoft.com/office/drawing/2014/main" id="{7A796CA2-219C-5F85-623D-FF571AC0C989}"/>
-              </a:ext>
-            </a:extLst>
-          </p:cNvPr>
-          <p:cNvSpPr>
-            <a:spLocks noGrp="1"/>
-          </p:cNvSpPr>
-          <p:nvPr>
-            <p:ph type="title"/>
-          </p:nvPr>
-        </p:nvSpPr>
-        <p:spPr/>
-        <p:txBody>
-          <a:bodyPr/>
-          <a:lstStyle/>
-          <a:p>
-            <a:r>
-              <a:rPr lang="ru-RU" dirty="0"/>
-              <a:t>Главное меню</a:t>
-            </a:r>
-          </a:p>
-        </p:txBody>
-      </p:sp>
-      <p:sp>
-        <p:nvSpPr>
-          <p:cNvPr id="3" name="Объект 2">
-            <a:extLst>
-              <a:ext uri="{FF2B5EF4-FFF2-40B4-BE49-F238E27FC236}">
-                <a16:creationId xmlns:a16="http://schemas.microsoft.com/office/drawing/2014/main" id="{6A1F1066-6EC7-153F-77CA-66FA9AF91363}"/>
-              </a:ext>
-            </a:extLst>
-          </p:cNvPr>
-          <p:cNvSpPr>
-            <a:spLocks noGrp="1"/>
-          </p:cNvSpPr>
-          <p:nvPr>
-            <p:ph idx="1"/>
-          </p:nvPr>
-        </p:nvSpPr>
-        <p:spPr>
-          <a:xfrm>
-            <a:off x="1004047" y="1855693"/>
-            <a:ext cx="4347882" cy="4482353"/>
-          </a:xfrm>
-        </p:spPr>
-        <p:txBody>
-          <a:bodyPr>
-            <a:normAutofit fontScale="85000" lnSpcReduction="20000"/>
-          </a:bodyPr>
-          <a:lstStyle/>
-          <a:p>
-            <a:pPr marL="0" indent="0">
-              <a:buNone/>
-            </a:pPr>
-            <a:r>
-              <a:rPr lang="ru-RU" dirty="0"/>
-              <a:t>В главном меню игроку доступно 3 кнопки:</a:t>
-            </a:r>
-          </a:p>
-          <a:p>
-            <a:r>
-              <a:rPr lang="ru-RU" dirty="0"/>
-              <a:t>Продолжить – чтобы продолжить игру на моменте, где игрок закончил игру в последний раз</a:t>
-            </a:r>
-          </a:p>
-          <a:p>
-            <a:r>
-              <a:rPr lang="ru-RU" dirty="0"/>
-              <a:t>Играть – чтобы начать игру сначала(с первого уровня)</a:t>
-            </a:r>
-          </a:p>
-          <a:p>
-            <a:r>
-              <a:rPr lang="ru-RU" dirty="0"/>
-              <a:t>Выйти – чтобы покинуть игру. Также при нажатии этой кнопки выскакивает диалоговое окно, уточняющее, действительно ли мы хотим выйти.</a:t>
-            </a:r>
-          </a:p>
-        </p:txBody>
-      </p:sp>
-      <p:pic>
-        <p:nvPicPr>
-          <p:cNvPr id="5" name="Рисунок 4">
-            <a:extLst>
-              <a:ext uri="{FF2B5EF4-FFF2-40B4-BE49-F238E27FC236}">
-                <a16:creationId xmlns:a16="http://schemas.microsoft.com/office/drawing/2014/main" id="{64AD9F91-3A48-E944-3C21-5F6B5AAC4B24}"/>
-              </a:ext>
-            </a:extLst>
-          </p:cNvPr>
-          <p:cNvPicPr>
-            <a:picLocks noChangeAspect="1"/>
-          </p:cNvPicPr>
-          <p:nvPr/>
-        </p:nvPicPr>
-        <p:blipFill>
-          <a:blip r:embed="rId2"/>
-          <a:stretch>
-            <a:fillRect/>
-          </a:stretch>
-        </p:blipFill>
-        <p:spPr>
-          <a:xfrm>
-            <a:off x="5993788" y="1690688"/>
-            <a:ext cx="5484641" cy="3083860"/>
-          </a:xfrm>
-          <a:prstGeom prst="rect">
-            <a:avLst/>
-          </a:prstGeom>
-        </p:spPr>
-      </p:pic>
-      <p:pic>
-        <p:nvPicPr>
-          <p:cNvPr id="7" name="Рисунок 6">
-            <a:extLst>
-              <a:ext uri="{FF2B5EF4-FFF2-40B4-BE49-F238E27FC236}">
-                <a16:creationId xmlns:a16="http://schemas.microsoft.com/office/drawing/2014/main" id="{4D279E56-89A1-BC1E-D6AB-EB2CB45B11E1}"/>
-              </a:ext>
-            </a:extLst>
-          </p:cNvPr>
-          <p:cNvPicPr>
-            <a:picLocks noChangeAspect="1"/>
-          </p:cNvPicPr>
-          <p:nvPr/>
-        </p:nvPicPr>
-        <p:blipFill>
-          <a:blip r:embed="rId3"/>
-          <a:srcRect l="19927" t="41635" r="21522" b="40573"/>
-          <a:stretch/>
-        </p:blipFill>
-        <p:spPr>
-          <a:xfrm>
-            <a:off x="7109017" y="4933016"/>
-            <a:ext cx="3254184" cy="1559859"/>
-          </a:xfrm>
-          <a:prstGeom prst="rect">
-            <a:avLst/>
-          </a:prstGeom>
-        </p:spPr>
-      </p:pic>
-    </p:spTree>
-    <p:extLst>
-      <p:ext uri="{BB962C8B-B14F-4D97-AF65-F5344CB8AC3E}">
-        <p14:creationId xmlns:p14="http://schemas.microsoft.com/office/powerpoint/2010/main" val="4057578857"/>
-      </p:ext>
-    </p:extLst>
-  </p:cSld>
-  <p:clrMapOvr>
-    <a:masterClrMapping/>
-  </p:clrMapOvr>
-</p:sld>
-</file>
-
-<file path=ppt/slides/slide12.xml><?xml version="1.0" encoding="utf-8"?>
-<p:sld xmlns:a="http://schemas.openxmlformats.org/drawingml/2006/main" xmlns:r="http://schemas.openxmlformats.org/officeDocument/2006/relationships" xmlns:p="http://schemas.openxmlformats.org/presentationml/2006/main">
-  <p:cSld>
-    <p:spTree>
-      <p:nvGrpSpPr>
-        <p:cNvPr id="1" name=""/>
-        <p:cNvGrpSpPr/>
-        <p:nvPr/>
-      </p:nvGrpSpPr>
-      <p:grpSpPr>
-        <a:xfrm>
-          <a:off x="0" y="0"/>
-          <a:ext cx="0" cy="0"/>
-          <a:chOff x="0" y="0"/>
-          <a:chExt cx="0" cy="0"/>
-        </a:xfrm>
-      </p:grpSpPr>
-      <p:sp>
-        <p:nvSpPr>
-          <p:cNvPr id="2" name="Заголовок 1">
-            <a:extLst>
-              <a:ext uri="{FF2B5EF4-FFF2-40B4-BE49-F238E27FC236}">
-                <a16:creationId xmlns:a16="http://schemas.microsoft.com/office/drawing/2014/main" id="{9CA16BE1-6ACC-6D62-DB9E-DC4E338ADE26}"/>
-              </a:ext>
-            </a:extLst>
-          </p:cNvPr>
-          <p:cNvSpPr>
-            <a:spLocks noGrp="1"/>
-          </p:cNvSpPr>
-          <p:nvPr>
-            <p:ph type="title"/>
-          </p:nvPr>
-        </p:nvSpPr>
-        <p:spPr>
-          <a:xfrm>
-            <a:off x="454758" y="-160152"/>
-            <a:ext cx="10515600" cy="1325563"/>
-          </a:xfrm>
-        </p:spPr>
-        <p:txBody>
-          <a:bodyPr/>
-          <a:lstStyle/>
-          <a:p>
-            <a:r>
-              <a:rPr lang="ru-RU" dirty="0"/>
-              <a:t>Меню во время паузы</a:t>
-            </a:r>
-          </a:p>
-        </p:txBody>
-      </p:sp>
-      <p:sp>
-        <p:nvSpPr>
-          <p:cNvPr id="3" name="Объект 2">
-            <a:extLst>
-              <a:ext uri="{FF2B5EF4-FFF2-40B4-BE49-F238E27FC236}">
-                <a16:creationId xmlns:a16="http://schemas.microsoft.com/office/drawing/2014/main" id="{A0AB4906-DBF6-BC22-9B82-47C276720EE5}"/>
-              </a:ext>
-            </a:extLst>
-          </p:cNvPr>
-          <p:cNvSpPr>
-            <a:spLocks noGrp="1"/>
-          </p:cNvSpPr>
-          <p:nvPr>
-            <p:ph idx="1"/>
-          </p:nvPr>
-        </p:nvSpPr>
-        <p:spPr>
-          <a:xfrm>
-            <a:off x="820271" y="851646"/>
-            <a:ext cx="5463988" cy="5592764"/>
-          </a:xfrm>
-        </p:spPr>
-        <p:txBody>
-          <a:bodyPr/>
-          <a:lstStyle/>
-          <a:p>
-            <a:pPr marL="0" indent="0">
-              <a:buNone/>
-            </a:pPr>
-            <a:r>
-              <a:rPr lang="ru-RU" dirty="0"/>
-              <a:t>Во время игры игрок, нажав на </a:t>
-            </a:r>
-            <a:r>
-              <a:rPr lang="en-US" dirty="0"/>
-              <a:t>ESC</a:t>
-            </a:r>
-            <a:r>
-              <a:rPr lang="ru-RU" dirty="0"/>
-              <a:t>, может вызвать игровое меню, в котором будут следующие кнопки:</a:t>
-            </a:r>
-          </a:p>
-          <a:p>
-            <a:r>
-              <a:rPr lang="ru-RU" dirty="0"/>
-              <a:t>Продолжить – для продолжения игры</a:t>
-            </a:r>
-          </a:p>
-          <a:p>
-            <a:r>
-              <a:rPr lang="ru-RU" dirty="0"/>
-              <a:t>Заново – кнопка нужна для перезапуска уровня</a:t>
-            </a:r>
-          </a:p>
-          <a:p>
-            <a:r>
-              <a:rPr lang="ru-RU" dirty="0"/>
-              <a:t>Настройки – вызывает окно настроек в котором можно отключить музыку</a:t>
-            </a:r>
-          </a:p>
-          <a:p>
-            <a:r>
-              <a:rPr lang="ru-RU" dirty="0"/>
-              <a:t>Выйти – </a:t>
-            </a:r>
-            <a:r>
-              <a:rPr lang="ru-RU" dirty="0" err="1"/>
-              <a:t>спомощю</a:t>
-            </a:r>
-            <a:r>
-              <a:rPr lang="ru-RU" dirty="0"/>
-              <a:t> неё можно вернуться в главное меню</a:t>
-            </a:r>
-          </a:p>
-          <a:p>
-            <a:endParaRPr lang="ru-RU" dirty="0"/>
-          </a:p>
-        </p:txBody>
-      </p:sp>
-      <p:pic>
-        <p:nvPicPr>
-          <p:cNvPr id="5" name="Рисунок 4">
-            <a:extLst>
-              <a:ext uri="{FF2B5EF4-FFF2-40B4-BE49-F238E27FC236}">
-                <a16:creationId xmlns:a16="http://schemas.microsoft.com/office/drawing/2014/main" id="{523FC214-6AA7-85BD-FAA5-E56398409F5B}"/>
-              </a:ext>
-            </a:extLst>
-          </p:cNvPr>
-          <p:cNvPicPr>
-            <a:picLocks noChangeAspect="1"/>
-          </p:cNvPicPr>
-          <p:nvPr/>
-        </p:nvPicPr>
-        <p:blipFill>
-          <a:blip r:embed="rId2"/>
-          <a:stretch>
-            <a:fillRect/>
-          </a:stretch>
-        </p:blipFill>
-        <p:spPr>
-          <a:xfrm>
-            <a:off x="7879976" y="1063323"/>
-            <a:ext cx="3090382" cy="3159262"/>
-          </a:xfrm>
-          <a:prstGeom prst="rect">
-            <a:avLst/>
-          </a:prstGeom>
-        </p:spPr>
-      </p:pic>
-      <p:pic>
-        <p:nvPicPr>
-          <p:cNvPr id="7" name="Рисунок 6">
-            <a:extLst>
-              <a:ext uri="{FF2B5EF4-FFF2-40B4-BE49-F238E27FC236}">
-                <a16:creationId xmlns:a16="http://schemas.microsoft.com/office/drawing/2014/main" id="{0345220E-565F-DE0F-E959-A1E5BA6759BE}"/>
-              </a:ext>
-            </a:extLst>
-          </p:cNvPr>
-          <p:cNvPicPr>
-            <a:picLocks noChangeAspect="1"/>
-          </p:cNvPicPr>
-          <p:nvPr/>
-        </p:nvPicPr>
-        <p:blipFill>
-          <a:blip r:embed="rId3"/>
-          <a:stretch>
-            <a:fillRect/>
-          </a:stretch>
-        </p:blipFill>
-        <p:spPr>
-          <a:xfrm>
-            <a:off x="7808257" y="4404220"/>
-            <a:ext cx="3162101" cy="1772743"/>
-          </a:xfrm>
-          <a:prstGeom prst="rect">
-            <a:avLst/>
-          </a:prstGeom>
-        </p:spPr>
-      </p:pic>
-    </p:spTree>
-    <p:extLst>
-      <p:ext uri="{BB962C8B-B14F-4D97-AF65-F5344CB8AC3E}">
-        <p14:creationId xmlns:p14="http://schemas.microsoft.com/office/powerpoint/2010/main" val="2813457327"/>
-      </p:ext>
-    </p:extLst>
-  </p:cSld>
-  <p:clrMapOvr>
-    <a:masterClrMapping/>
-  </p:clrMapOvr>
-</p:sld>
-</file>
-
-<file path=ppt/slides/slide13.xml><?xml version="1.0" encoding="utf-8"?>
-<p:sld xmlns:a="http://schemas.openxmlformats.org/drawingml/2006/main" xmlns:r="http://schemas.openxmlformats.org/officeDocument/2006/relationships" xmlns:p="http://schemas.openxmlformats.org/presentationml/2006/main">
-  <p:cSld>
-    <p:spTree>
-      <p:nvGrpSpPr>
-        <p:cNvPr id="1" name=""/>
-        <p:cNvGrpSpPr/>
-        <p:nvPr/>
-      </p:nvGrpSpPr>
-      <p:grpSpPr>
-        <a:xfrm>
-          <a:off x="0" y="0"/>
-          <a:ext cx="0" cy="0"/>
-          <a:chOff x="0" y="0"/>
-          <a:chExt cx="0" cy="0"/>
-        </a:xfrm>
-      </p:grpSpPr>
-      <p:sp>
-        <p:nvSpPr>
-          <p:cNvPr id="2" name="Заголовок 1">
-            <a:extLst>
-              <a:ext uri="{FF2B5EF4-FFF2-40B4-BE49-F238E27FC236}">
-                <a16:creationId xmlns:a16="http://schemas.microsoft.com/office/drawing/2014/main" id="{F45FE80A-A751-C0D3-1F16-EB14A80D682F}"/>
-              </a:ext>
-            </a:extLst>
-          </p:cNvPr>
-          <p:cNvSpPr>
-            <a:spLocks noGrp="1"/>
-          </p:cNvSpPr>
-          <p:nvPr>
-            <p:ph type="title"/>
-          </p:nvPr>
-        </p:nvSpPr>
-        <p:spPr/>
-        <p:txBody>
-          <a:bodyPr/>
-          <a:lstStyle/>
-          <a:p>
-            <a:r>
-              <a:rPr lang="ru-RU" dirty="0"/>
-              <a:t>Игровой процесс </a:t>
-            </a:r>
-          </a:p>
-        </p:txBody>
-      </p:sp>
-      <p:sp>
-        <p:nvSpPr>
-          <p:cNvPr id="3" name="Объект 2">
-            <a:extLst>
-              <a:ext uri="{FF2B5EF4-FFF2-40B4-BE49-F238E27FC236}">
-                <a16:creationId xmlns:a16="http://schemas.microsoft.com/office/drawing/2014/main" id="{162D59AC-D7D2-32C4-D198-42EED4C63908}"/>
-              </a:ext>
-            </a:extLst>
-          </p:cNvPr>
-          <p:cNvSpPr>
-            <a:spLocks noGrp="1"/>
-          </p:cNvSpPr>
-          <p:nvPr>
-            <p:ph idx="1"/>
-          </p:nvPr>
-        </p:nvSpPr>
-        <p:spPr>
-          <a:xfrm>
-            <a:off x="838200" y="1825625"/>
-            <a:ext cx="4424081" cy="4351338"/>
-          </a:xfrm>
-        </p:spPr>
-        <p:txBody>
-          <a:bodyPr>
-            <a:normAutofit fontScale="92500" lnSpcReduction="10000"/>
-          </a:bodyPr>
-          <a:lstStyle/>
-          <a:p>
-            <a:r>
-              <a:rPr lang="ru-RU" dirty="0"/>
-              <a:t>Во время игры игроку необходимо собрать кристаллы, что расположены на карте. Количество оставшихся кристаллов на карте  можно видеть в правом нижнем углу. Однако если игрок дойдёт до выхода раньше чем соберёт половину кристаллов игру у него закончить не получится</a:t>
-            </a:r>
-          </a:p>
-        </p:txBody>
-      </p:sp>
-      <p:pic>
-        <p:nvPicPr>
-          <p:cNvPr id="7" name="Рисунок 6">
-            <a:extLst>
-              <a:ext uri="{FF2B5EF4-FFF2-40B4-BE49-F238E27FC236}">
-                <a16:creationId xmlns:a16="http://schemas.microsoft.com/office/drawing/2014/main" id="{D75A6EDF-2689-54A3-BCBA-09786D339DB1}"/>
-              </a:ext>
-            </a:extLst>
-          </p:cNvPr>
-          <p:cNvPicPr>
-            <a:picLocks noChangeAspect="1"/>
-          </p:cNvPicPr>
-          <p:nvPr/>
-        </p:nvPicPr>
-        <p:blipFill>
-          <a:blip r:embed="rId2"/>
-          <a:stretch>
-            <a:fillRect/>
-          </a:stretch>
-        </p:blipFill>
-        <p:spPr>
-          <a:xfrm>
-            <a:off x="5387788" y="1715136"/>
-            <a:ext cx="4226861" cy="2376645"/>
-          </a:xfrm>
-          <a:prstGeom prst="rect">
-            <a:avLst/>
-          </a:prstGeom>
-        </p:spPr>
-      </p:pic>
-      <p:pic>
-        <p:nvPicPr>
-          <p:cNvPr id="9" name="Рисунок 8">
-            <a:extLst>
-              <a:ext uri="{FF2B5EF4-FFF2-40B4-BE49-F238E27FC236}">
-                <a16:creationId xmlns:a16="http://schemas.microsoft.com/office/drawing/2014/main" id="{0F5CF7B3-9340-8816-1D45-BA69B52D3061}"/>
-              </a:ext>
-            </a:extLst>
-          </p:cNvPr>
-          <p:cNvPicPr>
-            <a:picLocks noChangeAspect="1"/>
-          </p:cNvPicPr>
-          <p:nvPr/>
-        </p:nvPicPr>
-        <p:blipFill>
-          <a:blip r:embed="rId3"/>
-          <a:stretch>
-            <a:fillRect/>
-          </a:stretch>
-        </p:blipFill>
-        <p:spPr>
-          <a:xfrm>
-            <a:off x="7377954" y="4295524"/>
-            <a:ext cx="4226860" cy="2376645"/>
-          </a:xfrm>
-          <a:prstGeom prst="rect">
-            <a:avLst/>
-          </a:prstGeom>
-        </p:spPr>
-      </p:pic>
-    </p:spTree>
-    <p:extLst>
-      <p:ext uri="{BB962C8B-B14F-4D97-AF65-F5344CB8AC3E}">
-        <p14:creationId xmlns:p14="http://schemas.microsoft.com/office/powerpoint/2010/main" val="1565924798"/>
-      </p:ext>
-    </p:extLst>
-  </p:cSld>
-  <p:clrMapOvr>
-    <a:masterClrMapping/>
-  </p:clrMapOvr>
-</p:sld>
-</file>
-
-<file path=ppt/slides/slide14.xml><?xml version="1.0" encoding="utf-8"?>
-<p:sld xmlns:a="http://schemas.openxmlformats.org/drawingml/2006/main" xmlns:r="http://schemas.openxmlformats.org/officeDocument/2006/relationships" xmlns:p="http://schemas.openxmlformats.org/presentationml/2006/main">
-  <p:cSld>
-    <p:spTree>
-      <p:nvGrpSpPr>
-        <p:cNvPr id="1" name=""/>
-        <p:cNvGrpSpPr/>
-        <p:nvPr/>
-      </p:nvGrpSpPr>
-      <p:grpSpPr>
-        <a:xfrm>
-          <a:off x="0" y="0"/>
-          <a:ext cx="0" cy="0"/>
-          <a:chOff x="0" y="0"/>
-          <a:chExt cx="0" cy="0"/>
-        </a:xfrm>
-      </p:grpSpPr>
-      <p:sp>
-        <p:nvSpPr>
-          <p:cNvPr id="2" name="Заголовок 1">
-            <a:extLst>
-              <a:ext uri="{FF2B5EF4-FFF2-40B4-BE49-F238E27FC236}">
                 <a16:creationId xmlns:a16="http://schemas.microsoft.com/office/drawing/2014/main" id="{3DC44F28-C565-47A0-9628-92A946632E48}"/>
               </a:ext>
             </a:extLst>
@@ -4223,7 +3616,7 @@
           <a:p>
             <a:r>
               <a:rPr lang="ru-RU" dirty="0"/>
-              <a:t>Своим результатом мы удовлетворены и хотим продолжить работу над проектом, чтобы довести его до уровня полноценной сюжетной 2</a:t>
+              <a:t>Своим результатом мы удовлетворены и хотим продолжить работу над проектом, чтобы довести его до уровня полноценной 2</a:t>
             </a:r>
             <a:r>
               <a:rPr lang="en-US" dirty="0"/>
@@ -4502,7 +3895,7 @@
           <a:p>
             <a:r>
               <a:rPr lang="ru-RU" dirty="0"/>
-              <a:t>В проекте суммарно около 1000 строк кода</a:t>
+              <a:t>В проекте суммарно более 650 строк кода</a:t>
             </a:r>
           </a:p>
         </p:txBody>
@@ -4739,7 +4132,7 @@
             </a:r>
             <a:r>
               <a:rPr lang="ru-RU" dirty="0"/>
-              <a:t>300 строк</a:t>
+              <a:t>150 строк</a:t>
             </a:r>
           </a:p>
         </p:txBody>
@@ -4825,15 +4218,7 @@
           <a:p>
             <a:r>
               <a:rPr lang="ru-RU" dirty="0"/>
-              <a:t>Стартовый </a:t>
-            </a:r>
-            <a:r>
-              <a:rPr lang="en-US" dirty="0"/>
-              <a:t>&amp;</a:t>
-            </a:r>
-            <a:r>
-              <a:rPr lang="ru-RU" dirty="0"/>
-              <a:t> Загрузочный</a:t>
+              <a:t>Стартовый</a:t>
             </a:r>
           </a:p>
         </p:txBody>
@@ -4868,8 +4253,8 @@
         </p:blipFill>
         <p:spPr>
           <a:xfrm>
-            <a:off x="1077817" y="3372009"/>
-            <a:ext cx="4681728" cy="1950720"/>
+            <a:off x="265021" y="2541643"/>
+            <a:ext cx="4681724" cy="1950719"/>
           </a:xfrm>
         </p:spPr>
       </p:pic>
@@ -4889,7 +4274,12 @@
             <p:ph type="body" sz="quarter" idx="3"/>
           </p:nvPr>
         </p:nvSpPr>
-        <p:spPr/>
+        <p:spPr>
+          <a:xfrm>
+            <a:off x="6169024" y="495829"/>
+            <a:ext cx="5183188" cy="823912"/>
+          </a:xfrm>
+        </p:spPr>
         <p:txBody>
           <a:bodyPr/>
           <a:lstStyle/>
@@ -4931,11 +4321,82 @@
         </p:blipFill>
         <p:spPr>
           <a:xfrm>
-            <a:off x="6422930" y="3372009"/>
+            <a:off x="5762530" y="1319741"/>
             <a:ext cx="4681728" cy="1950720"/>
           </a:xfrm>
         </p:spPr>
       </p:pic>
+      <p:pic>
+        <p:nvPicPr>
+          <p:cNvPr id="14" name="Рисунок 13">
+            <a:extLst>
+              <a:ext uri="{FF2B5EF4-FFF2-40B4-BE49-F238E27FC236}">
+                <a16:creationId xmlns:a16="http://schemas.microsoft.com/office/drawing/2014/main" id="{7339FF06-1EE7-4F46-899F-C83AC7E3D488}"/>
+              </a:ext>
+            </a:extLst>
+          </p:cNvPr>
+          <p:cNvPicPr>
+            <a:picLocks noChangeAspect="1"/>
+          </p:cNvPicPr>
+          <p:nvPr/>
+        </p:nvPicPr>
+        <p:blipFill>
+          <a:blip r:embed="rId4">
+            <a:extLst>
+              <a:ext uri="{28A0092B-C50C-407E-A947-70E740481C1C}">
+                <a14:useLocalDpi xmlns:a14="http://schemas.microsoft.com/office/drawing/2010/main" val="0"/>
+              </a:ext>
+            </a:extLst>
+          </a:blip>
+          <a:stretch>
+            <a:fillRect/>
+          </a:stretch>
+        </p:blipFill>
+        <p:spPr>
+          <a:xfrm>
+            <a:off x="5762530" y="4562899"/>
+            <a:ext cx="4681728" cy="1950720"/>
+          </a:xfrm>
+          <a:prstGeom prst="rect">
+            <a:avLst/>
+          </a:prstGeom>
+        </p:spPr>
+      </p:pic>
+      <p:sp>
+        <p:nvSpPr>
+          <p:cNvPr id="15" name="TextBox 14">
+            <a:extLst>
+              <a:ext uri="{FF2B5EF4-FFF2-40B4-BE49-F238E27FC236}">
+                <a16:creationId xmlns:a16="http://schemas.microsoft.com/office/drawing/2014/main" id="{A72E2A4B-8E4A-466B-ABF8-B586FA1BC585}"/>
+              </a:ext>
+            </a:extLst>
+          </p:cNvPr>
+          <p:cNvSpPr txBox="1"/>
+          <p:nvPr/>
+        </p:nvSpPr>
+        <p:spPr>
+          <a:xfrm>
+            <a:off x="6321330" y="3985339"/>
+            <a:ext cx="2805737" cy="369332"/>
+          </a:xfrm>
+          <a:prstGeom prst="rect">
+            <a:avLst/>
+          </a:prstGeom>
+          <a:noFill/>
+        </p:spPr>
+        <p:txBody>
+          <a:bodyPr wrap="square" rtlCol="0">
+            <a:spAutoFit/>
+          </a:bodyPr>
+          <a:lstStyle/>
+          <a:p>
+            <a:r>
+              <a:rPr lang="ru-RU" b="1" dirty="0"/>
+              <a:t>Меню</a:t>
+            </a:r>
+          </a:p>
+        </p:txBody>
+      </p:sp>
     </p:spTree>
     <p:extLst>
       <p:ext uri="{BB962C8B-B14F-4D97-AF65-F5344CB8AC3E}">
@@ -5022,7 +4483,7 @@
         </p:blipFill>
         <p:spPr>
           <a:xfrm>
-            <a:off x="1818000" y="1808288"/>
+            <a:off x="1200212" y="2049012"/>
             <a:ext cx="1003175" cy="1269841"/>
           </a:xfrm>
           <a:prstGeom prst="rect">
@@ -5058,7 +4519,7 @@
         </p:blipFill>
         <p:spPr>
           <a:xfrm>
-            <a:off x="4184209" y="2122572"/>
+            <a:off x="3045691" y="2122824"/>
             <a:ext cx="952885" cy="952885"/>
           </a:xfrm>
           <a:prstGeom prst="rect">
@@ -5094,7 +4555,7 @@
         </p:blipFill>
         <p:spPr>
           <a:xfrm>
-            <a:off x="6304145" y="2162545"/>
+            <a:off x="4942098" y="2122572"/>
             <a:ext cx="953137" cy="953137"/>
           </a:xfrm>
           <a:prstGeom prst="rect">
@@ -5130,7 +4591,7 @@
         </p:blipFill>
         <p:spPr>
           <a:xfrm>
-            <a:off x="8175159" y="2049012"/>
+            <a:off x="6838757" y="1901756"/>
             <a:ext cx="1003175" cy="1180205"/>
           </a:xfrm>
           <a:prstGeom prst="rect">
@@ -5166,7 +4627,7 @@
         </p:blipFill>
         <p:spPr>
           <a:xfrm>
-            <a:off x="10140757" y="2122572"/>
+            <a:off x="8498223" y="2122572"/>
             <a:ext cx="952885" cy="952885"/>
           </a:xfrm>
           <a:prstGeom prst="rect">
@@ -5188,7 +4649,7 @@
         </p:nvSpPr>
         <p:spPr>
           <a:xfrm>
-            <a:off x="3896723" y="3363180"/>
+            <a:off x="2911505" y="3361268"/>
             <a:ext cx="1361939" cy="369332"/>
           </a:xfrm>
           <a:prstGeom prst="rect">
@@ -5224,7 +4685,7 @@
         </p:nvSpPr>
         <p:spPr>
           <a:xfrm>
-            <a:off x="6322712" y="3392644"/>
+            <a:off x="4942098" y="3322927"/>
             <a:ext cx="1221255" cy="369332"/>
           </a:xfrm>
           <a:prstGeom prst="rect">
@@ -5260,7 +4721,7 @@
         </p:nvSpPr>
         <p:spPr>
           <a:xfrm>
-            <a:off x="8311496" y="3363180"/>
+            <a:off x="6832007" y="3327321"/>
             <a:ext cx="1221255" cy="369332"/>
           </a:xfrm>
           <a:prstGeom prst="rect">
@@ -5296,7 +4757,7 @@
         </p:nvSpPr>
         <p:spPr>
           <a:xfrm>
-            <a:off x="10006571" y="3286587"/>
+            <a:off x="8669867" y="3278120"/>
             <a:ext cx="1221255" cy="369332"/>
           </a:xfrm>
           <a:prstGeom prst="rect">
@@ -5332,7 +4793,7 @@
         </p:nvSpPr>
         <p:spPr>
           <a:xfrm>
-            <a:off x="1907939" y="3286587"/>
+            <a:off x="1200212" y="3429000"/>
             <a:ext cx="1221255" cy="369332"/>
           </a:xfrm>
           <a:prstGeom prst="rect">
@@ -5349,150 +4810,6 @@
             <a:r>
               <a:rPr lang="en-US" dirty="0"/>
               <a:t>hero</a:t>
-            </a:r>
-            <a:endParaRPr lang="ru-RU" dirty="0"/>
-          </a:p>
-        </p:txBody>
-      </p:sp>
-      <p:pic>
-        <p:nvPicPr>
-          <p:cNvPr id="4" name="Рисунок 3">
-            <a:extLst>
-              <a:ext uri="{FF2B5EF4-FFF2-40B4-BE49-F238E27FC236}">
-                <a16:creationId xmlns:a16="http://schemas.microsoft.com/office/drawing/2014/main" id="{AE573BE1-895E-2610-C3D0-1B91C7ED60E6}"/>
-              </a:ext>
-            </a:extLst>
-          </p:cNvPr>
-          <p:cNvPicPr>
-            <a:picLocks noChangeAspect="1"/>
-          </p:cNvPicPr>
-          <p:nvPr/>
-        </p:nvPicPr>
-        <p:blipFill>
-          <a:blip r:embed="rId7">
-            <a:extLst>
-              <a:ext uri="{28A0092B-C50C-407E-A947-70E740481C1C}">
-                <a14:useLocalDpi xmlns:a14="http://schemas.microsoft.com/office/drawing/2010/main" val="0"/>
-              </a:ext>
-            </a:extLst>
-          </a:blip>
-          <a:stretch>
-            <a:fillRect/>
-          </a:stretch>
-        </p:blipFill>
-        <p:spPr>
-          <a:xfrm>
-            <a:off x="2821175" y="3835767"/>
-            <a:ext cx="953137" cy="953137"/>
-          </a:xfrm>
-          <a:prstGeom prst="rect">
-            <a:avLst/>
-          </a:prstGeom>
-        </p:spPr>
-      </p:pic>
-      <p:pic>
-        <p:nvPicPr>
-          <p:cNvPr id="8" name="Рисунок 7">
-            <a:extLst>
-              <a:ext uri="{FF2B5EF4-FFF2-40B4-BE49-F238E27FC236}">
-                <a16:creationId xmlns:a16="http://schemas.microsoft.com/office/drawing/2014/main" id="{9F343D05-F0B5-32AE-E275-184B5C2DA5FA}"/>
-              </a:ext>
-            </a:extLst>
-          </p:cNvPr>
-          <p:cNvPicPr>
-            <a:picLocks noChangeAspect="1"/>
-          </p:cNvPicPr>
-          <p:nvPr/>
-        </p:nvPicPr>
-        <p:blipFill>
-          <a:blip r:embed="rId8">
-            <a:extLst>
-              <a:ext uri="{28A0092B-C50C-407E-A947-70E740481C1C}">
-                <a14:useLocalDpi xmlns:a14="http://schemas.microsoft.com/office/drawing/2010/main" val="0"/>
-              </a:ext>
-            </a:extLst>
-          </a:blip>
-          <a:stretch>
-            <a:fillRect/>
-          </a:stretch>
-        </p:blipFill>
-        <p:spPr>
-          <a:xfrm>
-            <a:off x="7358359" y="3835767"/>
-            <a:ext cx="953137" cy="953137"/>
-          </a:xfrm>
-          <a:prstGeom prst="rect">
-            <a:avLst/>
-          </a:prstGeom>
-        </p:spPr>
-      </p:pic>
-      <p:sp>
-        <p:nvSpPr>
-          <p:cNvPr id="10" name="TextBox 9">
-            <a:extLst>
-              <a:ext uri="{FF2B5EF4-FFF2-40B4-BE49-F238E27FC236}">
-                <a16:creationId xmlns:a16="http://schemas.microsoft.com/office/drawing/2014/main" id="{9AE3AF34-8276-C9D1-7BE2-065FCEDCE7EC}"/>
-              </a:ext>
-            </a:extLst>
-          </p:cNvPr>
-          <p:cNvSpPr txBox="1"/>
-          <p:nvPr/>
-        </p:nvSpPr>
-        <p:spPr>
-          <a:xfrm>
-            <a:off x="2821175" y="4847394"/>
-            <a:ext cx="1132231" cy="369332"/>
-          </a:xfrm>
-          <a:prstGeom prst="rect">
-            <a:avLst/>
-          </a:prstGeom>
-          <a:noFill/>
-        </p:spPr>
-        <p:txBody>
-          <a:bodyPr wrap="square" rtlCol="0">
-            <a:spAutoFit/>
-          </a:bodyPr>
-          <a:lstStyle/>
-          <a:p>
-            <a:r>
-              <a:rPr lang="en-US" dirty="0"/>
-              <a:t>Diamond</a:t>
-            </a:r>
-            <a:endParaRPr lang="ru-RU" dirty="0"/>
-          </a:p>
-        </p:txBody>
-      </p:sp>
-      <p:sp>
-        <p:nvSpPr>
-          <p:cNvPr id="12" name="TextBox 11">
-            <a:extLst>
-              <a:ext uri="{FF2B5EF4-FFF2-40B4-BE49-F238E27FC236}">
-                <a16:creationId xmlns:a16="http://schemas.microsoft.com/office/drawing/2014/main" id="{5DB0AADF-6162-7710-D55B-EE0BB310E586}"/>
-              </a:ext>
-            </a:extLst>
-          </p:cNvPr>
-          <p:cNvSpPr txBox="1"/>
-          <p:nvPr/>
-        </p:nvSpPr>
-        <p:spPr>
-          <a:xfrm>
-            <a:off x="7358359" y="4844824"/>
-            <a:ext cx="1132231" cy="369332"/>
-          </a:xfrm>
-          <a:prstGeom prst="rect">
-            <a:avLst/>
-          </a:prstGeom>
-          <a:noFill/>
-        </p:spPr>
-        <p:txBody>
-          <a:bodyPr wrap="square" rtlCol="0">
-            <a:spAutoFit/>
-          </a:bodyPr>
-          <a:lstStyle/>
-          <a:p>
-            <a:r>
-              <a:rPr lang="en-US" dirty="0"/>
-              <a:t>Exit</a:t>
             </a:r>
             <a:endParaRPr lang="ru-RU" dirty="0"/>
           </a:p>
@@ -5770,7 +5087,7 @@
           <p:cNvPr id="2" name="Заголовок 1">
             <a:extLst>
               <a:ext uri="{FF2B5EF4-FFF2-40B4-BE49-F238E27FC236}">
-                <a16:creationId xmlns:a16="http://schemas.microsoft.com/office/drawing/2014/main" id="{A59CC020-941E-49E8-8E3E-41B942A6CA9C}"/>
+                <a16:creationId xmlns:a16="http://schemas.microsoft.com/office/drawing/2014/main" id="{E3D825DA-85A7-4403-8FEF-B4C29CB56885}"/>
               </a:ext>
             </a:extLst>
           </p:cNvPr>
@@ -5788,7 +5105,7 @@
           <a:p>
             <a:r>
               <a:rPr lang="ru-RU" dirty="0"/>
-              <a:t>Уровни</a:t>
+              <a:t>Геймплей</a:t>
             </a:r>
           </a:p>
         </p:txBody>
@@ -5798,7 +5115,7 @@
           <p:cNvPr id="3" name="Объект 2">
             <a:extLst>
               <a:ext uri="{FF2B5EF4-FFF2-40B4-BE49-F238E27FC236}">
-                <a16:creationId xmlns:a16="http://schemas.microsoft.com/office/drawing/2014/main" id="{C563525B-FD5D-4391-98B9-C85A79117EEE}"/>
+                <a16:creationId xmlns:a16="http://schemas.microsoft.com/office/drawing/2014/main" id="{0D5DA68E-4FDC-4940-B1EA-EC525FCF1389}"/>
               </a:ext>
             </a:extLst>
           </p:cNvPr>
@@ -5809,84 +5126,40 @@
             <p:ph idx="1"/>
           </p:nvPr>
         </p:nvSpPr>
-        <p:spPr>
-          <a:xfrm>
-            <a:off x="712694" y="1825625"/>
-            <a:ext cx="10515600" cy="4351338"/>
-          </a:xfrm>
-        </p:spPr>
-        <p:txBody>
-          <a:bodyPr>
-            <a:normAutofit lnSpcReduction="10000"/>
-          </a:bodyPr>
+        <p:spPr/>
+        <p:txBody>
+          <a:bodyPr/>
           <a:lstStyle/>
           <a:p>
             <a:r>
               <a:rPr lang="ru-RU" dirty="0"/>
-              <a:t>Уровни хранятся в формате текстовом файле, под условными обозначениями:</a:t>
-            </a:r>
-          </a:p>
-          <a:p>
-            <a:r>
-              <a:rPr lang="en-US" dirty="0"/>
-              <a:t>"h": Hero,</a:t>
-            </a:r>
-          </a:p>
-          <a:p>
-            <a:r>
-              <a:rPr lang="en-US" dirty="0"/>
-              <a:t>"b": Background,</a:t>
-            </a:r>
-          </a:p>
-          <a:p>
-            <a:r>
-              <a:rPr lang="en-US" dirty="0"/>
-              <a:t>"w": Wall,</a:t>
-            </a:r>
-          </a:p>
-          <a:p>
-            <a:r>
-              <a:rPr lang="en-US" dirty="0"/>
-              <a:t>"s": Stone,</a:t>
-            </a:r>
-          </a:p>
-          <a:p>
-            <a:r>
-              <a:rPr lang="en-US" dirty="0"/>
-              <a:t>"l": Lianas,</a:t>
+              <a:t>Ходьба</a:t>
             </a:r>
           </a:p>
           <a:p>
             <a:r>
               <a:rPr lang="ru-RU" dirty="0"/>
-              <a:t>"</a:t>
-            </a:r>
-            <a:r>
-              <a:rPr lang="en-US" dirty="0"/>
-              <a:t>d</a:t>
-            </a:r>
+              <a:t>Прыжки</a:t>
+            </a:r>
+          </a:p>
+          <a:p>
             <a:r>
               <a:rPr lang="ru-RU" dirty="0"/>
-              <a:t>"</a:t>
-            </a:r>
-            <a:r>
-              <a:rPr lang="en-US" dirty="0"/>
-              <a:t>: Diamond,</a:t>
-            </a:r>
-          </a:p>
-          <a:p>
-            <a:r>
-              <a:rPr lang="en-US" dirty="0"/>
-              <a:t>"e": Exit</a:t>
-            </a:r>
-            <a:endParaRPr lang="ru-RU" dirty="0"/>
+              <a:t>Сбор кристаллов</a:t>
+            </a:r>
+          </a:p>
+          <a:p>
+            <a:r>
+              <a:rPr lang="ru-RU" dirty="0"/>
+              <a:t>Толкание камней</a:t>
+            </a:r>
           </a:p>
         </p:txBody>
       </p:sp>
     </p:spTree>
     <p:extLst>
       <p:ext uri="{BB962C8B-B14F-4D97-AF65-F5344CB8AC3E}">
-        <p14:creationId xmlns:p14="http://schemas.microsoft.com/office/powerpoint/2010/main" val="984704934"/>
+        <p14:creationId xmlns:p14="http://schemas.microsoft.com/office/powerpoint/2010/main" val="3899512826"/>
       </p:ext>
     </p:extLst>
   </p:cSld>
@@ -5918,7 +5191,7 @@
           <p:cNvPr id="2" name="Заголовок 1">
             <a:extLst>
               <a:ext uri="{FF2B5EF4-FFF2-40B4-BE49-F238E27FC236}">
-                <a16:creationId xmlns:a16="http://schemas.microsoft.com/office/drawing/2014/main" id="{E3D825DA-85A7-4403-8FEF-B4C29CB56885}"/>
+                <a16:creationId xmlns:a16="http://schemas.microsoft.com/office/drawing/2014/main" id="{4F9632FE-8C8B-4332-BC5C-9AFF2F115485}"/>
               </a:ext>
             </a:extLst>
           </p:cNvPr>
@@ -5936,57 +5209,125 @@
           <a:p>
             <a:r>
               <a:rPr lang="ru-RU" dirty="0"/>
-              <a:t>Геймплей</a:t>
-            </a:r>
-          </a:p>
-        </p:txBody>
-      </p:sp>
-      <p:sp>
-        <p:nvSpPr>
-          <p:cNvPr id="3" name="Объект 2">
-            <a:extLst>
-              <a:ext uri="{FF2B5EF4-FFF2-40B4-BE49-F238E27FC236}">
-                <a16:creationId xmlns:a16="http://schemas.microsoft.com/office/drawing/2014/main" id="{0D5DA68E-4FDC-4940-B1EA-EC525FCF1389}"/>
-              </a:ext>
-            </a:extLst>
-          </p:cNvPr>
-          <p:cNvSpPr>
-            <a:spLocks noGrp="1"/>
-          </p:cNvSpPr>
+              <a:t>Хранение данных</a:t>
+            </a:r>
+          </a:p>
+        </p:txBody>
+      </p:sp>
+      <p:pic>
+        <p:nvPicPr>
+          <p:cNvPr id="4" name="Объект 3">
+            <a:extLst>
+              <a:ext uri="{FF2B5EF4-FFF2-40B4-BE49-F238E27FC236}">
+                <a16:creationId xmlns:a16="http://schemas.microsoft.com/office/drawing/2014/main" id="{5DBD99F7-D9DD-4E0B-81F4-337F17BD75C6}"/>
+              </a:ext>
+            </a:extLst>
+          </p:cNvPr>
+          <p:cNvPicPr>
+            <a:picLocks noGrp="1" noChangeAspect="1"/>
+          </p:cNvPicPr>
           <p:nvPr>
             <p:ph idx="1"/>
           </p:nvPr>
-        </p:nvSpPr>
-        <p:spPr/>
-        <p:txBody>
-          <a:bodyPr/>
+        </p:nvPicPr>
+        <p:blipFill>
+          <a:blip r:embed="rId2"/>
+          <a:stretch>
+            <a:fillRect/>
+          </a:stretch>
+        </p:blipFill>
+        <p:spPr>
+          <a:xfrm>
+            <a:off x="838200" y="2388732"/>
+            <a:ext cx="4791744" cy="2734057"/>
+          </a:xfrm>
+          <a:prstGeom prst="rect">
+            <a:avLst/>
+          </a:prstGeom>
+        </p:spPr>
+      </p:pic>
+      <p:sp>
+        <p:nvSpPr>
+          <p:cNvPr id="5" name="TextBox 4">
+            <a:extLst>
+              <a:ext uri="{FF2B5EF4-FFF2-40B4-BE49-F238E27FC236}">
+                <a16:creationId xmlns:a16="http://schemas.microsoft.com/office/drawing/2014/main" id="{9D81D392-BA47-4B14-AA02-D7110BF7DB02}"/>
+              </a:ext>
+            </a:extLst>
+          </p:cNvPr>
+          <p:cNvSpPr txBox="1"/>
+          <p:nvPr/>
+        </p:nvSpPr>
+        <p:spPr>
+          <a:xfrm>
+            <a:off x="1143000" y="1828800"/>
+            <a:ext cx="2133600" cy="369332"/>
+          </a:xfrm>
+          <a:prstGeom prst="rect">
+            <a:avLst/>
+          </a:prstGeom>
+          <a:noFill/>
+        </p:spPr>
+        <p:txBody>
+          <a:bodyPr wrap="square" rtlCol="0">
+            <a:spAutoFit/>
+          </a:bodyPr>
           <a:lstStyle/>
           <a:p>
             <a:r>
               <a:rPr lang="ru-RU" dirty="0"/>
-              <a:t>Ходьба</a:t>
-            </a:r>
-          </a:p>
-          <a:p>
+              <a:t>Уровни в </a:t>
+            </a:r>
+            <a:r>
+              <a:rPr lang="en-US" dirty="0"/>
+              <a:t>txt</a:t>
+            </a:r>
             <a:r>
               <a:rPr lang="ru-RU" dirty="0"/>
-              <a:t>Прыжки</a:t>
-            </a:r>
-          </a:p>
-          <a:p>
+              <a:t>-файле</a:t>
+            </a:r>
+          </a:p>
+        </p:txBody>
+      </p:sp>
+      <p:sp>
+        <p:nvSpPr>
+          <p:cNvPr id="3" name="TextBox 2">
+            <a:extLst>
+              <a:ext uri="{FF2B5EF4-FFF2-40B4-BE49-F238E27FC236}">
+                <a16:creationId xmlns:a16="http://schemas.microsoft.com/office/drawing/2014/main" id="{71AD780A-465C-4BEC-B8AC-2BCAA71B1009}"/>
+              </a:ext>
+            </a:extLst>
+          </p:cNvPr>
+          <p:cNvSpPr txBox="1"/>
+          <p:nvPr/>
+        </p:nvSpPr>
+        <p:spPr>
+          <a:xfrm>
+            <a:off x="6849533" y="1828800"/>
+            <a:ext cx="3657600" cy="646331"/>
+          </a:xfrm>
+          <a:prstGeom prst="rect">
+            <a:avLst/>
+          </a:prstGeom>
+          <a:noFill/>
+        </p:spPr>
+        <p:txBody>
+          <a:bodyPr wrap="square" rtlCol="0">
+            <a:spAutoFit/>
+          </a:bodyPr>
+          <a:lstStyle/>
+          <a:p>
+            <a:r>
+              <a:rPr lang="ru-RU" dirty="0"/>
+              <a:t>Настройки и последний уровень в </a:t>
+            </a:r>
             <a:r>
               <a:rPr lang="en-US" dirty="0"/>
-              <a:t>C</a:t>
+              <a:t>txt-</a:t>
             </a:r>
             <a:r>
               <a:rPr lang="ru-RU" dirty="0"/>
-              <a:t>бор кристаллов</a:t>
-            </a:r>
-          </a:p>
-          <a:p>
-            <a:r>
-              <a:rPr lang="ru-RU" dirty="0"/>
-              <a:t>Толкание камней</a:t>
+              <a:t>файле</a:t>
             </a:r>
           </a:p>
         </p:txBody>
@@ -5994,7 +5335,7 @@
     </p:spTree>
     <p:extLst>
       <p:ext uri="{BB962C8B-B14F-4D97-AF65-F5344CB8AC3E}">
-        <p14:creationId xmlns:p14="http://schemas.microsoft.com/office/powerpoint/2010/main" val="3899512826"/>
+        <p14:creationId xmlns:p14="http://schemas.microsoft.com/office/powerpoint/2010/main" val="3830201564"/>
       </p:ext>
     </p:extLst>
   </p:cSld>

--- a/документы/проект2.pptx
+++ b/документы/проект2.pptx
@@ -10,11 +10,15 @@
     <p:sldId id="258" r:id="rId4"/>
     <p:sldId id="259" r:id="rId5"/>
     <p:sldId id="260" r:id="rId6"/>
-    <p:sldId id="261" r:id="rId7"/>
+    <p:sldId id="268" r:id="rId7"/>
     <p:sldId id="262" r:id="rId8"/>
-    <p:sldId id="267" r:id="rId9"/>
-    <p:sldId id="264" r:id="rId10"/>
-    <p:sldId id="266" r:id="rId11"/>
+    <p:sldId id="263" r:id="rId9"/>
+    <p:sldId id="267" r:id="rId10"/>
+    <p:sldId id="264" r:id="rId11"/>
+    <p:sldId id="269" r:id="rId12"/>
+    <p:sldId id="270" r:id="rId13"/>
+    <p:sldId id="271" r:id="rId14"/>
+    <p:sldId id="266" r:id="rId15"/>
   </p:sldIdLst>
   <p:sldSz cx="12192000" cy="6858000"/>
   <p:notesSz cx="6858000" cy="9144000"/>
@@ -3570,6 +3574,710 @@
           <p:cNvPr id="2" name="Заголовок 1">
             <a:extLst>
               <a:ext uri="{FF2B5EF4-FFF2-40B4-BE49-F238E27FC236}">
+                <a16:creationId xmlns:a16="http://schemas.microsoft.com/office/drawing/2014/main" id="{4F9632FE-8C8B-4332-BC5C-9AFF2F115485}"/>
+              </a:ext>
+            </a:extLst>
+          </p:cNvPr>
+          <p:cNvSpPr>
+            <a:spLocks noGrp="1"/>
+          </p:cNvSpPr>
+          <p:nvPr>
+            <p:ph type="title"/>
+          </p:nvPr>
+        </p:nvSpPr>
+        <p:spPr/>
+        <p:txBody>
+          <a:bodyPr/>
+          <a:lstStyle/>
+          <a:p>
+            <a:r>
+              <a:rPr lang="ru-RU" dirty="0"/>
+              <a:t>Хранение данных</a:t>
+            </a:r>
+          </a:p>
+        </p:txBody>
+      </p:sp>
+      <p:pic>
+        <p:nvPicPr>
+          <p:cNvPr id="4" name="Объект 3">
+            <a:extLst>
+              <a:ext uri="{FF2B5EF4-FFF2-40B4-BE49-F238E27FC236}">
+                <a16:creationId xmlns:a16="http://schemas.microsoft.com/office/drawing/2014/main" id="{5DBD99F7-D9DD-4E0B-81F4-337F17BD75C6}"/>
+              </a:ext>
+            </a:extLst>
+          </p:cNvPr>
+          <p:cNvPicPr>
+            <a:picLocks noGrp="1" noChangeAspect="1"/>
+          </p:cNvPicPr>
+          <p:nvPr>
+            <p:ph idx="1"/>
+          </p:nvPr>
+        </p:nvPicPr>
+        <p:blipFill>
+          <a:blip r:embed="rId2"/>
+          <a:stretch>
+            <a:fillRect/>
+          </a:stretch>
+        </p:blipFill>
+        <p:spPr>
+          <a:xfrm>
+            <a:off x="838200" y="2388732"/>
+            <a:ext cx="4791744" cy="2734057"/>
+          </a:xfrm>
+          <a:prstGeom prst="rect">
+            <a:avLst/>
+          </a:prstGeom>
+        </p:spPr>
+      </p:pic>
+      <p:sp>
+        <p:nvSpPr>
+          <p:cNvPr id="5" name="TextBox 4">
+            <a:extLst>
+              <a:ext uri="{FF2B5EF4-FFF2-40B4-BE49-F238E27FC236}">
+                <a16:creationId xmlns:a16="http://schemas.microsoft.com/office/drawing/2014/main" id="{9D81D392-BA47-4B14-AA02-D7110BF7DB02}"/>
+              </a:ext>
+            </a:extLst>
+          </p:cNvPr>
+          <p:cNvSpPr txBox="1"/>
+          <p:nvPr/>
+        </p:nvSpPr>
+        <p:spPr>
+          <a:xfrm>
+            <a:off x="1143000" y="1828800"/>
+            <a:ext cx="2133600" cy="369332"/>
+          </a:xfrm>
+          <a:prstGeom prst="rect">
+            <a:avLst/>
+          </a:prstGeom>
+          <a:noFill/>
+        </p:spPr>
+        <p:txBody>
+          <a:bodyPr wrap="square" rtlCol="0">
+            <a:spAutoFit/>
+          </a:bodyPr>
+          <a:lstStyle/>
+          <a:p>
+            <a:r>
+              <a:rPr lang="ru-RU" dirty="0"/>
+              <a:t>Уровни в </a:t>
+            </a:r>
+            <a:r>
+              <a:rPr lang="en-US" dirty="0"/>
+              <a:t>txt</a:t>
+            </a:r>
+            <a:r>
+              <a:rPr lang="ru-RU" dirty="0"/>
+              <a:t>-файле</a:t>
+            </a:r>
+          </a:p>
+        </p:txBody>
+      </p:sp>
+      <p:sp>
+        <p:nvSpPr>
+          <p:cNvPr id="3" name="TextBox 2">
+            <a:extLst>
+              <a:ext uri="{FF2B5EF4-FFF2-40B4-BE49-F238E27FC236}">
+                <a16:creationId xmlns:a16="http://schemas.microsoft.com/office/drawing/2014/main" id="{71AD780A-465C-4BEC-B8AC-2BCAA71B1009}"/>
+              </a:ext>
+            </a:extLst>
+          </p:cNvPr>
+          <p:cNvSpPr txBox="1"/>
+          <p:nvPr/>
+        </p:nvSpPr>
+        <p:spPr>
+          <a:xfrm>
+            <a:off x="6849533" y="1828800"/>
+            <a:ext cx="3657600" cy="646331"/>
+          </a:xfrm>
+          <a:prstGeom prst="rect">
+            <a:avLst/>
+          </a:prstGeom>
+          <a:noFill/>
+        </p:spPr>
+        <p:txBody>
+          <a:bodyPr wrap="square" rtlCol="0">
+            <a:spAutoFit/>
+          </a:bodyPr>
+          <a:lstStyle/>
+          <a:p>
+            <a:r>
+              <a:rPr lang="ru-RU" dirty="0"/>
+              <a:t>Настройки и последний уровень в </a:t>
+            </a:r>
+            <a:r>
+              <a:rPr lang="en-US" dirty="0"/>
+              <a:t>txt-</a:t>
+            </a:r>
+            <a:r>
+              <a:rPr lang="ru-RU" dirty="0"/>
+              <a:t>файле</a:t>
+            </a:r>
+          </a:p>
+        </p:txBody>
+      </p:sp>
+    </p:spTree>
+    <p:extLst>
+      <p:ext uri="{BB962C8B-B14F-4D97-AF65-F5344CB8AC3E}">
+        <p14:creationId xmlns:p14="http://schemas.microsoft.com/office/powerpoint/2010/main" val="3830201564"/>
+      </p:ext>
+    </p:extLst>
+  </p:cSld>
+  <p:clrMapOvr>
+    <a:masterClrMapping/>
+  </p:clrMapOvr>
+</p:sld>
+</file>
+
+<file path=ppt/slides/slide11.xml><?xml version="1.0" encoding="utf-8"?>
+<p:sld xmlns:a="http://schemas.openxmlformats.org/drawingml/2006/main" xmlns:r="http://schemas.openxmlformats.org/officeDocument/2006/relationships" xmlns:p="http://schemas.openxmlformats.org/presentationml/2006/main">
+  <p:cSld>
+    <p:spTree>
+      <p:nvGrpSpPr>
+        <p:cNvPr id="1" name=""/>
+        <p:cNvGrpSpPr/>
+        <p:nvPr/>
+      </p:nvGrpSpPr>
+      <p:grpSpPr>
+        <a:xfrm>
+          <a:off x="0" y="0"/>
+          <a:ext cx="0" cy="0"/>
+          <a:chOff x="0" y="0"/>
+          <a:chExt cx="0" cy="0"/>
+        </a:xfrm>
+      </p:grpSpPr>
+      <p:sp>
+        <p:nvSpPr>
+          <p:cNvPr id="2" name="Заголовок 1">
+            <a:extLst>
+              <a:ext uri="{FF2B5EF4-FFF2-40B4-BE49-F238E27FC236}">
+                <a16:creationId xmlns:a16="http://schemas.microsoft.com/office/drawing/2014/main" id="{7A796CA2-219C-5F85-623D-FF571AC0C989}"/>
+              </a:ext>
+            </a:extLst>
+          </p:cNvPr>
+          <p:cNvSpPr>
+            <a:spLocks noGrp="1"/>
+          </p:cNvSpPr>
+          <p:nvPr>
+            <p:ph type="title"/>
+          </p:nvPr>
+        </p:nvSpPr>
+        <p:spPr/>
+        <p:txBody>
+          <a:bodyPr/>
+          <a:lstStyle/>
+          <a:p>
+            <a:r>
+              <a:rPr lang="ru-RU" dirty="0"/>
+              <a:t>Главное меню</a:t>
+            </a:r>
+          </a:p>
+        </p:txBody>
+      </p:sp>
+      <p:sp>
+        <p:nvSpPr>
+          <p:cNvPr id="3" name="Объект 2">
+            <a:extLst>
+              <a:ext uri="{FF2B5EF4-FFF2-40B4-BE49-F238E27FC236}">
+                <a16:creationId xmlns:a16="http://schemas.microsoft.com/office/drawing/2014/main" id="{6A1F1066-6EC7-153F-77CA-66FA9AF91363}"/>
+              </a:ext>
+            </a:extLst>
+          </p:cNvPr>
+          <p:cNvSpPr>
+            <a:spLocks noGrp="1"/>
+          </p:cNvSpPr>
+          <p:nvPr>
+            <p:ph idx="1"/>
+          </p:nvPr>
+        </p:nvSpPr>
+        <p:spPr>
+          <a:xfrm>
+            <a:off x="1004047" y="1855693"/>
+            <a:ext cx="4347882" cy="4482353"/>
+          </a:xfrm>
+        </p:spPr>
+        <p:txBody>
+          <a:bodyPr>
+            <a:normAutofit fontScale="85000" lnSpcReduction="20000"/>
+          </a:bodyPr>
+          <a:lstStyle/>
+          <a:p>
+            <a:pPr marL="0" indent="0">
+              <a:buNone/>
+            </a:pPr>
+            <a:r>
+              <a:rPr lang="ru-RU" dirty="0"/>
+              <a:t>В главном меню игроку доступно 3 кнопки:</a:t>
+            </a:r>
+          </a:p>
+          <a:p>
+            <a:r>
+              <a:rPr lang="ru-RU" dirty="0"/>
+              <a:t>Продолжить – чтобы продолжить игру на моменте, где игрок закончил игру в последний раз</a:t>
+            </a:r>
+          </a:p>
+          <a:p>
+            <a:r>
+              <a:rPr lang="ru-RU" dirty="0"/>
+              <a:t>Играть – чтобы начать игру сначала(с первого уровня)</a:t>
+            </a:r>
+          </a:p>
+          <a:p>
+            <a:r>
+              <a:rPr lang="ru-RU" dirty="0"/>
+              <a:t>Выйти – чтобы покинуть игру. Также при нажатии этой кнопки выскакивает диалоговое окно, уточняющее, действительно ли мы хотим выйти.</a:t>
+            </a:r>
+          </a:p>
+        </p:txBody>
+      </p:sp>
+      <p:pic>
+        <p:nvPicPr>
+          <p:cNvPr id="5" name="Рисунок 4">
+            <a:extLst>
+              <a:ext uri="{FF2B5EF4-FFF2-40B4-BE49-F238E27FC236}">
+                <a16:creationId xmlns:a16="http://schemas.microsoft.com/office/drawing/2014/main" id="{64AD9F91-3A48-E944-3C21-5F6B5AAC4B24}"/>
+              </a:ext>
+            </a:extLst>
+          </p:cNvPr>
+          <p:cNvPicPr>
+            <a:picLocks noChangeAspect="1"/>
+          </p:cNvPicPr>
+          <p:nvPr/>
+        </p:nvPicPr>
+        <p:blipFill>
+          <a:blip r:embed="rId2"/>
+          <a:stretch>
+            <a:fillRect/>
+          </a:stretch>
+        </p:blipFill>
+        <p:spPr>
+          <a:xfrm>
+            <a:off x="5993788" y="1690688"/>
+            <a:ext cx="5484641" cy="3083860"/>
+          </a:xfrm>
+          <a:prstGeom prst="rect">
+            <a:avLst/>
+          </a:prstGeom>
+        </p:spPr>
+      </p:pic>
+      <p:pic>
+        <p:nvPicPr>
+          <p:cNvPr id="7" name="Рисунок 6">
+            <a:extLst>
+              <a:ext uri="{FF2B5EF4-FFF2-40B4-BE49-F238E27FC236}">
+                <a16:creationId xmlns:a16="http://schemas.microsoft.com/office/drawing/2014/main" id="{4D279E56-89A1-BC1E-D6AB-EB2CB45B11E1}"/>
+              </a:ext>
+            </a:extLst>
+          </p:cNvPr>
+          <p:cNvPicPr>
+            <a:picLocks noChangeAspect="1"/>
+          </p:cNvPicPr>
+          <p:nvPr/>
+        </p:nvPicPr>
+        <p:blipFill>
+          <a:blip r:embed="rId3"/>
+          <a:srcRect l="19927" t="41635" r="21522" b="40573"/>
+          <a:stretch/>
+        </p:blipFill>
+        <p:spPr>
+          <a:xfrm>
+            <a:off x="7109017" y="4933016"/>
+            <a:ext cx="3254184" cy="1559859"/>
+          </a:xfrm>
+          <a:prstGeom prst="rect">
+            <a:avLst/>
+          </a:prstGeom>
+        </p:spPr>
+      </p:pic>
+    </p:spTree>
+    <p:extLst>
+      <p:ext uri="{BB962C8B-B14F-4D97-AF65-F5344CB8AC3E}">
+        <p14:creationId xmlns:p14="http://schemas.microsoft.com/office/powerpoint/2010/main" val="4057578857"/>
+      </p:ext>
+    </p:extLst>
+  </p:cSld>
+  <p:clrMapOvr>
+    <a:masterClrMapping/>
+  </p:clrMapOvr>
+</p:sld>
+</file>
+
+<file path=ppt/slides/slide12.xml><?xml version="1.0" encoding="utf-8"?>
+<p:sld xmlns:a="http://schemas.openxmlformats.org/drawingml/2006/main" xmlns:r="http://schemas.openxmlformats.org/officeDocument/2006/relationships" xmlns:p="http://schemas.openxmlformats.org/presentationml/2006/main">
+  <p:cSld>
+    <p:spTree>
+      <p:nvGrpSpPr>
+        <p:cNvPr id="1" name=""/>
+        <p:cNvGrpSpPr/>
+        <p:nvPr/>
+      </p:nvGrpSpPr>
+      <p:grpSpPr>
+        <a:xfrm>
+          <a:off x="0" y="0"/>
+          <a:ext cx="0" cy="0"/>
+          <a:chOff x="0" y="0"/>
+          <a:chExt cx="0" cy="0"/>
+        </a:xfrm>
+      </p:grpSpPr>
+      <p:sp>
+        <p:nvSpPr>
+          <p:cNvPr id="2" name="Заголовок 1">
+            <a:extLst>
+              <a:ext uri="{FF2B5EF4-FFF2-40B4-BE49-F238E27FC236}">
+                <a16:creationId xmlns:a16="http://schemas.microsoft.com/office/drawing/2014/main" id="{9CA16BE1-6ACC-6D62-DB9E-DC4E338ADE26}"/>
+              </a:ext>
+            </a:extLst>
+          </p:cNvPr>
+          <p:cNvSpPr>
+            <a:spLocks noGrp="1"/>
+          </p:cNvSpPr>
+          <p:nvPr>
+            <p:ph type="title"/>
+          </p:nvPr>
+        </p:nvSpPr>
+        <p:spPr>
+          <a:xfrm>
+            <a:off x="454758" y="-160152"/>
+            <a:ext cx="10515600" cy="1325563"/>
+          </a:xfrm>
+        </p:spPr>
+        <p:txBody>
+          <a:bodyPr/>
+          <a:lstStyle/>
+          <a:p>
+            <a:r>
+              <a:rPr lang="ru-RU" dirty="0"/>
+              <a:t>Меню во время паузы</a:t>
+            </a:r>
+          </a:p>
+        </p:txBody>
+      </p:sp>
+      <p:sp>
+        <p:nvSpPr>
+          <p:cNvPr id="3" name="Объект 2">
+            <a:extLst>
+              <a:ext uri="{FF2B5EF4-FFF2-40B4-BE49-F238E27FC236}">
+                <a16:creationId xmlns:a16="http://schemas.microsoft.com/office/drawing/2014/main" id="{A0AB4906-DBF6-BC22-9B82-47C276720EE5}"/>
+              </a:ext>
+            </a:extLst>
+          </p:cNvPr>
+          <p:cNvSpPr>
+            <a:spLocks noGrp="1"/>
+          </p:cNvSpPr>
+          <p:nvPr>
+            <p:ph idx="1"/>
+          </p:nvPr>
+        </p:nvSpPr>
+        <p:spPr>
+          <a:xfrm>
+            <a:off x="820271" y="851646"/>
+            <a:ext cx="5463988" cy="5592764"/>
+          </a:xfrm>
+        </p:spPr>
+        <p:txBody>
+          <a:bodyPr/>
+          <a:lstStyle/>
+          <a:p>
+            <a:pPr marL="0" indent="0">
+              <a:buNone/>
+            </a:pPr>
+            <a:r>
+              <a:rPr lang="ru-RU" dirty="0"/>
+              <a:t>Во время игры игрок, нажав на </a:t>
+            </a:r>
+            <a:r>
+              <a:rPr lang="en-US" dirty="0"/>
+              <a:t>ESC</a:t>
+            </a:r>
+            <a:r>
+              <a:rPr lang="ru-RU" dirty="0"/>
+              <a:t>, может вызвать игровое меню, в котором будут следующие кнопки:</a:t>
+            </a:r>
+          </a:p>
+          <a:p>
+            <a:r>
+              <a:rPr lang="ru-RU" dirty="0"/>
+              <a:t>Продолжить – для продолжения игры</a:t>
+            </a:r>
+          </a:p>
+          <a:p>
+            <a:r>
+              <a:rPr lang="ru-RU" dirty="0"/>
+              <a:t>Заново – кнопка нужна для перезапуска уровня</a:t>
+            </a:r>
+          </a:p>
+          <a:p>
+            <a:r>
+              <a:rPr lang="ru-RU" dirty="0"/>
+              <a:t>Настройки – вызывает окно настроек в котором можно отключить музыку</a:t>
+            </a:r>
+          </a:p>
+          <a:p>
+            <a:r>
+              <a:rPr lang="ru-RU" dirty="0"/>
+              <a:t>Выйти – </a:t>
+            </a:r>
+            <a:r>
+              <a:rPr lang="ru-RU" dirty="0" err="1"/>
+              <a:t>спомощю</a:t>
+            </a:r>
+            <a:r>
+              <a:rPr lang="ru-RU" dirty="0"/>
+              <a:t> неё можно вернуться в главное меню</a:t>
+            </a:r>
+          </a:p>
+          <a:p>
+            <a:endParaRPr lang="ru-RU" dirty="0"/>
+          </a:p>
+        </p:txBody>
+      </p:sp>
+      <p:pic>
+        <p:nvPicPr>
+          <p:cNvPr id="5" name="Рисунок 4">
+            <a:extLst>
+              <a:ext uri="{FF2B5EF4-FFF2-40B4-BE49-F238E27FC236}">
+                <a16:creationId xmlns:a16="http://schemas.microsoft.com/office/drawing/2014/main" id="{523FC214-6AA7-85BD-FAA5-E56398409F5B}"/>
+              </a:ext>
+            </a:extLst>
+          </p:cNvPr>
+          <p:cNvPicPr>
+            <a:picLocks noChangeAspect="1"/>
+          </p:cNvPicPr>
+          <p:nvPr/>
+        </p:nvPicPr>
+        <p:blipFill>
+          <a:blip r:embed="rId2"/>
+          <a:stretch>
+            <a:fillRect/>
+          </a:stretch>
+        </p:blipFill>
+        <p:spPr>
+          <a:xfrm>
+            <a:off x="7879976" y="1063323"/>
+            <a:ext cx="3090382" cy="3159262"/>
+          </a:xfrm>
+          <a:prstGeom prst="rect">
+            <a:avLst/>
+          </a:prstGeom>
+        </p:spPr>
+      </p:pic>
+      <p:pic>
+        <p:nvPicPr>
+          <p:cNvPr id="7" name="Рисунок 6">
+            <a:extLst>
+              <a:ext uri="{FF2B5EF4-FFF2-40B4-BE49-F238E27FC236}">
+                <a16:creationId xmlns:a16="http://schemas.microsoft.com/office/drawing/2014/main" id="{0345220E-565F-DE0F-E959-A1E5BA6759BE}"/>
+              </a:ext>
+            </a:extLst>
+          </p:cNvPr>
+          <p:cNvPicPr>
+            <a:picLocks noChangeAspect="1"/>
+          </p:cNvPicPr>
+          <p:nvPr/>
+        </p:nvPicPr>
+        <p:blipFill>
+          <a:blip r:embed="rId3"/>
+          <a:stretch>
+            <a:fillRect/>
+          </a:stretch>
+        </p:blipFill>
+        <p:spPr>
+          <a:xfrm>
+            <a:off x="7808257" y="4404220"/>
+            <a:ext cx="3162101" cy="1772743"/>
+          </a:xfrm>
+          <a:prstGeom prst="rect">
+            <a:avLst/>
+          </a:prstGeom>
+        </p:spPr>
+      </p:pic>
+    </p:spTree>
+    <p:extLst>
+      <p:ext uri="{BB962C8B-B14F-4D97-AF65-F5344CB8AC3E}">
+        <p14:creationId xmlns:p14="http://schemas.microsoft.com/office/powerpoint/2010/main" val="2813457327"/>
+      </p:ext>
+    </p:extLst>
+  </p:cSld>
+  <p:clrMapOvr>
+    <a:masterClrMapping/>
+  </p:clrMapOvr>
+</p:sld>
+</file>
+
+<file path=ppt/slides/slide13.xml><?xml version="1.0" encoding="utf-8"?>
+<p:sld xmlns:a="http://schemas.openxmlformats.org/drawingml/2006/main" xmlns:r="http://schemas.openxmlformats.org/officeDocument/2006/relationships" xmlns:p="http://schemas.openxmlformats.org/presentationml/2006/main">
+  <p:cSld>
+    <p:spTree>
+      <p:nvGrpSpPr>
+        <p:cNvPr id="1" name=""/>
+        <p:cNvGrpSpPr/>
+        <p:nvPr/>
+      </p:nvGrpSpPr>
+      <p:grpSpPr>
+        <a:xfrm>
+          <a:off x="0" y="0"/>
+          <a:ext cx="0" cy="0"/>
+          <a:chOff x="0" y="0"/>
+          <a:chExt cx="0" cy="0"/>
+        </a:xfrm>
+      </p:grpSpPr>
+      <p:sp>
+        <p:nvSpPr>
+          <p:cNvPr id="2" name="Заголовок 1">
+            <a:extLst>
+              <a:ext uri="{FF2B5EF4-FFF2-40B4-BE49-F238E27FC236}">
+                <a16:creationId xmlns:a16="http://schemas.microsoft.com/office/drawing/2014/main" id="{F45FE80A-A751-C0D3-1F16-EB14A80D682F}"/>
+              </a:ext>
+            </a:extLst>
+          </p:cNvPr>
+          <p:cNvSpPr>
+            <a:spLocks noGrp="1"/>
+          </p:cNvSpPr>
+          <p:nvPr>
+            <p:ph type="title"/>
+          </p:nvPr>
+        </p:nvSpPr>
+        <p:spPr/>
+        <p:txBody>
+          <a:bodyPr/>
+          <a:lstStyle/>
+          <a:p>
+            <a:r>
+              <a:rPr lang="ru-RU" dirty="0"/>
+              <a:t>Игровой процесс </a:t>
+            </a:r>
+          </a:p>
+        </p:txBody>
+      </p:sp>
+      <p:sp>
+        <p:nvSpPr>
+          <p:cNvPr id="3" name="Объект 2">
+            <a:extLst>
+              <a:ext uri="{FF2B5EF4-FFF2-40B4-BE49-F238E27FC236}">
+                <a16:creationId xmlns:a16="http://schemas.microsoft.com/office/drawing/2014/main" id="{162D59AC-D7D2-32C4-D198-42EED4C63908}"/>
+              </a:ext>
+            </a:extLst>
+          </p:cNvPr>
+          <p:cNvSpPr>
+            <a:spLocks noGrp="1"/>
+          </p:cNvSpPr>
+          <p:nvPr>
+            <p:ph idx="1"/>
+          </p:nvPr>
+        </p:nvSpPr>
+        <p:spPr>
+          <a:xfrm>
+            <a:off x="838200" y="1825625"/>
+            <a:ext cx="4424081" cy="4351338"/>
+          </a:xfrm>
+        </p:spPr>
+        <p:txBody>
+          <a:bodyPr>
+            <a:normAutofit fontScale="92500" lnSpcReduction="10000"/>
+          </a:bodyPr>
+          <a:lstStyle/>
+          <a:p>
+            <a:r>
+              <a:rPr lang="ru-RU" dirty="0"/>
+              <a:t>Во время игры игроку необходимо собрать кристаллы, что расположены на карте. Количество оставшихся кристаллов на карте  можно видеть в правом нижнем углу. Однако если игрок дойдёт до выхода раньше чем соберёт половину кристаллов игру у него закончить не получится</a:t>
+            </a:r>
+          </a:p>
+        </p:txBody>
+      </p:sp>
+      <p:pic>
+        <p:nvPicPr>
+          <p:cNvPr id="7" name="Рисунок 6">
+            <a:extLst>
+              <a:ext uri="{FF2B5EF4-FFF2-40B4-BE49-F238E27FC236}">
+                <a16:creationId xmlns:a16="http://schemas.microsoft.com/office/drawing/2014/main" id="{D75A6EDF-2689-54A3-BCBA-09786D339DB1}"/>
+              </a:ext>
+            </a:extLst>
+          </p:cNvPr>
+          <p:cNvPicPr>
+            <a:picLocks noChangeAspect="1"/>
+          </p:cNvPicPr>
+          <p:nvPr/>
+        </p:nvPicPr>
+        <p:blipFill>
+          <a:blip r:embed="rId2"/>
+          <a:stretch>
+            <a:fillRect/>
+          </a:stretch>
+        </p:blipFill>
+        <p:spPr>
+          <a:xfrm>
+            <a:off x="5387788" y="1715136"/>
+            <a:ext cx="4226861" cy="2376645"/>
+          </a:xfrm>
+          <a:prstGeom prst="rect">
+            <a:avLst/>
+          </a:prstGeom>
+        </p:spPr>
+      </p:pic>
+      <p:pic>
+        <p:nvPicPr>
+          <p:cNvPr id="9" name="Рисунок 8">
+            <a:extLst>
+              <a:ext uri="{FF2B5EF4-FFF2-40B4-BE49-F238E27FC236}">
+                <a16:creationId xmlns:a16="http://schemas.microsoft.com/office/drawing/2014/main" id="{0F5CF7B3-9340-8816-1D45-BA69B52D3061}"/>
+              </a:ext>
+            </a:extLst>
+          </p:cNvPr>
+          <p:cNvPicPr>
+            <a:picLocks noChangeAspect="1"/>
+          </p:cNvPicPr>
+          <p:nvPr/>
+        </p:nvPicPr>
+        <p:blipFill>
+          <a:blip r:embed="rId3"/>
+          <a:stretch>
+            <a:fillRect/>
+          </a:stretch>
+        </p:blipFill>
+        <p:spPr>
+          <a:xfrm>
+            <a:off x="7377954" y="4295524"/>
+            <a:ext cx="4226860" cy="2376645"/>
+          </a:xfrm>
+          <a:prstGeom prst="rect">
+            <a:avLst/>
+          </a:prstGeom>
+        </p:spPr>
+      </p:pic>
+    </p:spTree>
+    <p:extLst>
+      <p:ext uri="{BB962C8B-B14F-4D97-AF65-F5344CB8AC3E}">
+        <p14:creationId xmlns:p14="http://schemas.microsoft.com/office/powerpoint/2010/main" val="1565924798"/>
+      </p:ext>
+    </p:extLst>
+  </p:cSld>
+  <p:clrMapOvr>
+    <a:masterClrMapping/>
+  </p:clrMapOvr>
+</p:sld>
+</file>
+
+<file path=ppt/slides/slide14.xml><?xml version="1.0" encoding="utf-8"?>
+<p:sld xmlns:a="http://schemas.openxmlformats.org/drawingml/2006/main" xmlns:r="http://schemas.openxmlformats.org/officeDocument/2006/relationships" xmlns:p="http://schemas.openxmlformats.org/presentationml/2006/main">
+  <p:cSld>
+    <p:spTree>
+      <p:nvGrpSpPr>
+        <p:cNvPr id="1" name=""/>
+        <p:cNvGrpSpPr/>
+        <p:nvPr/>
+      </p:nvGrpSpPr>
+      <p:grpSpPr>
+        <a:xfrm>
+          <a:off x="0" y="0"/>
+          <a:ext cx="0" cy="0"/>
+          <a:chOff x="0" y="0"/>
+          <a:chExt cx="0" cy="0"/>
+        </a:xfrm>
+      </p:grpSpPr>
+      <p:sp>
+        <p:nvSpPr>
+          <p:cNvPr id="2" name="Заголовок 1">
+            <a:extLst>
+              <a:ext uri="{FF2B5EF4-FFF2-40B4-BE49-F238E27FC236}">
                 <a16:creationId xmlns:a16="http://schemas.microsoft.com/office/drawing/2014/main" id="{3DC44F28-C565-47A0-9628-92A946632E48}"/>
               </a:ext>
             </a:extLst>
@@ -3895,7 +4603,7 @@
           <a:p>
             <a:r>
               <a:rPr lang="ru-RU" dirty="0"/>
-              <a:t>В проекте суммарно более 650 строк кода</a:t>
+              <a:t>В проекте суммарно около 1000 строк кода</a:t>
             </a:r>
           </a:p>
         </p:txBody>
@@ -4483,7 +5191,7 @@
         </p:blipFill>
         <p:spPr>
           <a:xfrm>
-            <a:off x="1200212" y="2049012"/>
+            <a:off x="1818000" y="1808288"/>
             <a:ext cx="1003175" cy="1269841"/>
           </a:xfrm>
           <a:prstGeom prst="rect">
@@ -4519,7 +5227,7 @@
         </p:blipFill>
         <p:spPr>
           <a:xfrm>
-            <a:off x="3045691" y="2122824"/>
+            <a:off x="4184209" y="2122572"/>
             <a:ext cx="952885" cy="952885"/>
           </a:xfrm>
           <a:prstGeom prst="rect">
@@ -4555,7 +5263,7 @@
         </p:blipFill>
         <p:spPr>
           <a:xfrm>
-            <a:off x="4942098" y="2122572"/>
+            <a:off x="6304145" y="2162545"/>
             <a:ext cx="953137" cy="953137"/>
           </a:xfrm>
           <a:prstGeom prst="rect">
@@ -4591,7 +5299,7 @@
         </p:blipFill>
         <p:spPr>
           <a:xfrm>
-            <a:off x="6838757" y="1901756"/>
+            <a:off x="8175159" y="2049012"/>
             <a:ext cx="1003175" cy="1180205"/>
           </a:xfrm>
           <a:prstGeom prst="rect">
@@ -4627,7 +5335,7 @@
         </p:blipFill>
         <p:spPr>
           <a:xfrm>
-            <a:off x="8498223" y="2122572"/>
+            <a:off x="10140757" y="2122572"/>
             <a:ext cx="952885" cy="952885"/>
           </a:xfrm>
           <a:prstGeom prst="rect">
@@ -4649,7 +5357,7 @@
         </p:nvSpPr>
         <p:spPr>
           <a:xfrm>
-            <a:off x="2911505" y="3361268"/>
+            <a:off x="3896723" y="3363180"/>
             <a:ext cx="1361939" cy="369332"/>
           </a:xfrm>
           <a:prstGeom prst="rect">
@@ -4685,7 +5393,7 @@
         </p:nvSpPr>
         <p:spPr>
           <a:xfrm>
-            <a:off x="4942098" y="3322927"/>
+            <a:off x="6322712" y="3392644"/>
             <a:ext cx="1221255" cy="369332"/>
           </a:xfrm>
           <a:prstGeom prst="rect">
@@ -4721,7 +5429,7 @@
         </p:nvSpPr>
         <p:spPr>
           <a:xfrm>
-            <a:off x="6832007" y="3327321"/>
+            <a:off x="8311496" y="3363180"/>
             <a:ext cx="1221255" cy="369332"/>
           </a:xfrm>
           <a:prstGeom prst="rect">
@@ -4757,7 +5465,7 @@
         </p:nvSpPr>
         <p:spPr>
           <a:xfrm>
-            <a:off x="8669867" y="3278120"/>
+            <a:off x="10006571" y="3286587"/>
             <a:ext cx="1221255" cy="369332"/>
           </a:xfrm>
           <a:prstGeom prst="rect">
@@ -4793,7 +5501,7 @@
         </p:nvSpPr>
         <p:spPr>
           <a:xfrm>
-            <a:off x="1200212" y="3429000"/>
+            <a:off x="1907939" y="3286587"/>
             <a:ext cx="1221255" cy="369332"/>
           </a:xfrm>
           <a:prstGeom prst="rect">
@@ -4815,10 +5523,154 @@
           </a:p>
         </p:txBody>
       </p:sp>
+      <p:pic>
+        <p:nvPicPr>
+          <p:cNvPr id="4" name="Рисунок 3">
+            <a:extLst>
+              <a:ext uri="{FF2B5EF4-FFF2-40B4-BE49-F238E27FC236}">
+                <a16:creationId xmlns:a16="http://schemas.microsoft.com/office/drawing/2014/main" id="{AE573BE1-895E-2610-C3D0-1B91C7ED60E6}"/>
+              </a:ext>
+            </a:extLst>
+          </p:cNvPr>
+          <p:cNvPicPr>
+            <a:picLocks noChangeAspect="1"/>
+          </p:cNvPicPr>
+          <p:nvPr/>
+        </p:nvPicPr>
+        <p:blipFill>
+          <a:blip r:embed="rId7">
+            <a:extLst>
+              <a:ext uri="{28A0092B-C50C-407E-A947-70E740481C1C}">
+                <a14:useLocalDpi xmlns:a14="http://schemas.microsoft.com/office/drawing/2010/main" val="0"/>
+              </a:ext>
+            </a:extLst>
+          </a:blip>
+          <a:stretch>
+            <a:fillRect/>
+          </a:stretch>
+        </p:blipFill>
+        <p:spPr>
+          <a:xfrm>
+            <a:off x="2821175" y="3835767"/>
+            <a:ext cx="953137" cy="953137"/>
+          </a:xfrm>
+          <a:prstGeom prst="rect">
+            <a:avLst/>
+          </a:prstGeom>
+        </p:spPr>
+      </p:pic>
+      <p:pic>
+        <p:nvPicPr>
+          <p:cNvPr id="8" name="Рисунок 7">
+            <a:extLst>
+              <a:ext uri="{FF2B5EF4-FFF2-40B4-BE49-F238E27FC236}">
+                <a16:creationId xmlns:a16="http://schemas.microsoft.com/office/drawing/2014/main" id="{9F343D05-F0B5-32AE-E275-184B5C2DA5FA}"/>
+              </a:ext>
+            </a:extLst>
+          </p:cNvPr>
+          <p:cNvPicPr>
+            <a:picLocks noChangeAspect="1"/>
+          </p:cNvPicPr>
+          <p:nvPr/>
+        </p:nvPicPr>
+        <p:blipFill>
+          <a:blip r:embed="rId8">
+            <a:extLst>
+              <a:ext uri="{28A0092B-C50C-407E-A947-70E740481C1C}">
+                <a14:useLocalDpi xmlns:a14="http://schemas.microsoft.com/office/drawing/2010/main" val="0"/>
+              </a:ext>
+            </a:extLst>
+          </a:blip>
+          <a:stretch>
+            <a:fillRect/>
+          </a:stretch>
+        </p:blipFill>
+        <p:spPr>
+          <a:xfrm>
+            <a:off x="7358359" y="3835767"/>
+            <a:ext cx="953137" cy="953137"/>
+          </a:xfrm>
+          <a:prstGeom prst="rect">
+            <a:avLst/>
+          </a:prstGeom>
+        </p:spPr>
+      </p:pic>
+      <p:sp>
+        <p:nvSpPr>
+          <p:cNvPr id="10" name="TextBox 9">
+            <a:extLst>
+              <a:ext uri="{FF2B5EF4-FFF2-40B4-BE49-F238E27FC236}">
+                <a16:creationId xmlns:a16="http://schemas.microsoft.com/office/drawing/2014/main" id="{9AE3AF34-8276-C9D1-7BE2-065FCEDCE7EC}"/>
+              </a:ext>
+            </a:extLst>
+          </p:cNvPr>
+          <p:cNvSpPr txBox="1"/>
+          <p:nvPr/>
+        </p:nvSpPr>
+        <p:spPr>
+          <a:xfrm>
+            <a:off x="2821175" y="4847394"/>
+            <a:ext cx="1132231" cy="369332"/>
+          </a:xfrm>
+          <a:prstGeom prst="rect">
+            <a:avLst/>
+          </a:prstGeom>
+          <a:noFill/>
+        </p:spPr>
+        <p:txBody>
+          <a:bodyPr wrap="square" rtlCol="0">
+            <a:spAutoFit/>
+          </a:bodyPr>
+          <a:lstStyle/>
+          <a:p>
+            <a:r>
+              <a:rPr lang="en-US" dirty="0"/>
+              <a:t>Diamond</a:t>
+            </a:r>
+            <a:endParaRPr lang="ru-RU" dirty="0"/>
+          </a:p>
+        </p:txBody>
+      </p:sp>
+      <p:sp>
+        <p:nvSpPr>
+          <p:cNvPr id="12" name="TextBox 11">
+            <a:extLst>
+              <a:ext uri="{FF2B5EF4-FFF2-40B4-BE49-F238E27FC236}">
+                <a16:creationId xmlns:a16="http://schemas.microsoft.com/office/drawing/2014/main" id="{5DB0AADF-6162-7710-D55B-EE0BB310E586}"/>
+              </a:ext>
+            </a:extLst>
+          </p:cNvPr>
+          <p:cNvSpPr txBox="1"/>
+          <p:nvPr/>
+        </p:nvSpPr>
+        <p:spPr>
+          <a:xfrm>
+            <a:off x="7358359" y="4844824"/>
+            <a:ext cx="1132231" cy="369332"/>
+          </a:xfrm>
+          <a:prstGeom prst="rect">
+            <a:avLst/>
+          </a:prstGeom>
+          <a:noFill/>
+        </p:spPr>
+        <p:txBody>
+          <a:bodyPr wrap="square" rtlCol="0">
+            <a:spAutoFit/>
+          </a:bodyPr>
+          <a:lstStyle/>
+          <a:p>
+            <a:r>
+              <a:rPr lang="en-US" dirty="0"/>
+              <a:t>Exit</a:t>
+            </a:r>
+            <a:endParaRPr lang="ru-RU" dirty="0"/>
+          </a:p>
+        </p:txBody>
+      </p:sp>
     </p:spTree>
     <p:extLst>
       <p:ext uri="{BB962C8B-B14F-4D97-AF65-F5344CB8AC3E}">
-        <p14:creationId xmlns:p14="http://schemas.microsoft.com/office/powerpoint/2010/main" val="1210975924"/>
+        <p14:creationId xmlns:p14="http://schemas.microsoft.com/office/powerpoint/2010/main" val="319365411"/>
       </p:ext>
     </p:extLst>
   </p:cSld>
@@ -5087,7 +5939,7 @@
           <p:cNvPr id="2" name="Заголовок 1">
             <a:extLst>
               <a:ext uri="{FF2B5EF4-FFF2-40B4-BE49-F238E27FC236}">
-                <a16:creationId xmlns:a16="http://schemas.microsoft.com/office/drawing/2014/main" id="{E3D825DA-85A7-4403-8FEF-B4C29CB56885}"/>
+                <a16:creationId xmlns:a16="http://schemas.microsoft.com/office/drawing/2014/main" id="{A59CC020-941E-49E8-8E3E-41B942A6CA9C}"/>
               </a:ext>
             </a:extLst>
           </p:cNvPr>
@@ -5105,7 +5957,7 @@
           <a:p>
             <a:r>
               <a:rPr lang="ru-RU" dirty="0"/>
-              <a:t>Геймплей</a:t>
+              <a:t>Уровни</a:t>
             </a:r>
           </a:p>
         </p:txBody>
@@ -5115,7 +5967,7 @@
           <p:cNvPr id="3" name="Объект 2">
             <a:extLst>
               <a:ext uri="{FF2B5EF4-FFF2-40B4-BE49-F238E27FC236}">
-                <a16:creationId xmlns:a16="http://schemas.microsoft.com/office/drawing/2014/main" id="{0D5DA68E-4FDC-4940-B1EA-EC525FCF1389}"/>
+                <a16:creationId xmlns:a16="http://schemas.microsoft.com/office/drawing/2014/main" id="{C563525B-FD5D-4391-98B9-C85A79117EEE}"/>
               </a:ext>
             </a:extLst>
           </p:cNvPr>
@@ -5126,40 +5978,84 @@
             <p:ph idx="1"/>
           </p:nvPr>
         </p:nvSpPr>
-        <p:spPr/>
-        <p:txBody>
-          <a:bodyPr/>
+        <p:spPr>
+          <a:xfrm>
+            <a:off x="712694" y="1825625"/>
+            <a:ext cx="10515600" cy="4351338"/>
+          </a:xfrm>
+        </p:spPr>
+        <p:txBody>
+          <a:bodyPr>
+            <a:normAutofit lnSpcReduction="10000"/>
+          </a:bodyPr>
           <a:lstStyle/>
           <a:p>
             <a:r>
               <a:rPr lang="ru-RU" dirty="0"/>
-              <a:t>Ходьба</a:t>
+              <a:t>Уровни хранятся в формате текстовом файле, под условными обозначениями:</a:t>
+            </a:r>
+          </a:p>
+          <a:p>
+            <a:r>
+              <a:rPr lang="en-US" dirty="0"/>
+              <a:t>"h": Hero,</a:t>
+            </a:r>
+          </a:p>
+          <a:p>
+            <a:r>
+              <a:rPr lang="en-US" dirty="0"/>
+              <a:t>"b": Background,</a:t>
+            </a:r>
+          </a:p>
+          <a:p>
+            <a:r>
+              <a:rPr lang="en-US" dirty="0"/>
+              <a:t>"w": Wall,</a:t>
+            </a:r>
+          </a:p>
+          <a:p>
+            <a:r>
+              <a:rPr lang="en-US" dirty="0"/>
+              <a:t>"s": Stone,</a:t>
+            </a:r>
+          </a:p>
+          <a:p>
+            <a:r>
+              <a:rPr lang="en-US" dirty="0"/>
+              <a:t>"l": Lianas,</a:t>
             </a:r>
           </a:p>
           <a:p>
             <a:r>
               <a:rPr lang="ru-RU" dirty="0"/>
-              <a:t>Прыжки</a:t>
-            </a:r>
-          </a:p>
-          <a:p>
+              <a:t>"</a:t>
+            </a:r>
+            <a:r>
+              <a:rPr lang="en-US" dirty="0"/>
+              <a:t>d</a:t>
+            </a:r>
             <a:r>
               <a:rPr lang="ru-RU" dirty="0"/>
-              <a:t>Сбор кристаллов</a:t>
-            </a:r>
-          </a:p>
-          <a:p>
-            <a:r>
-              <a:rPr lang="ru-RU" dirty="0"/>
-              <a:t>Толкание камней</a:t>
-            </a:r>
+              <a:t>"</a:t>
+            </a:r>
+            <a:r>
+              <a:rPr lang="en-US" dirty="0"/>
+              <a:t>: Diamond,</a:t>
+            </a:r>
+          </a:p>
+          <a:p>
+            <a:r>
+              <a:rPr lang="en-US" dirty="0"/>
+              <a:t>"e": Exit</a:t>
+            </a:r>
+            <a:endParaRPr lang="ru-RU" dirty="0"/>
           </a:p>
         </p:txBody>
       </p:sp>
     </p:spTree>
     <p:extLst>
       <p:ext uri="{BB962C8B-B14F-4D97-AF65-F5344CB8AC3E}">
-        <p14:creationId xmlns:p14="http://schemas.microsoft.com/office/powerpoint/2010/main" val="3899512826"/>
+        <p14:creationId xmlns:p14="http://schemas.microsoft.com/office/powerpoint/2010/main" val="984704934"/>
       </p:ext>
     </p:extLst>
   </p:cSld>
@@ -5191,7 +6087,7 @@
           <p:cNvPr id="2" name="Заголовок 1">
             <a:extLst>
               <a:ext uri="{FF2B5EF4-FFF2-40B4-BE49-F238E27FC236}">
-                <a16:creationId xmlns:a16="http://schemas.microsoft.com/office/drawing/2014/main" id="{4F9632FE-8C8B-4332-BC5C-9AFF2F115485}"/>
+                <a16:creationId xmlns:a16="http://schemas.microsoft.com/office/drawing/2014/main" id="{E3D825DA-85A7-4403-8FEF-B4C29CB56885}"/>
               </a:ext>
             </a:extLst>
           </p:cNvPr>
@@ -5209,125 +6105,53 @@
           <a:p>
             <a:r>
               <a:rPr lang="ru-RU" dirty="0"/>
-              <a:t>Хранение данных</a:t>
-            </a:r>
-          </a:p>
-        </p:txBody>
-      </p:sp>
-      <p:pic>
-        <p:nvPicPr>
-          <p:cNvPr id="4" name="Объект 3">
-            <a:extLst>
-              <a:ext uri="{FF2B5EF4-FFF2-40B4-BE49-F238E27FC236}">
-                <a16:creationId xmlns:a16="http://schemas.microsoft.com/office/drawing/2014/main" id="{5DBD99F7-D9DD-4E0B-81F4-337F17BD75C6}"/>
-              </a:ext>
-            </a:extLst>
-          </p:cNvPr>
-          <p:cNvPicPr>
-            <a:picLocks noGrp="1" noChangeAspect="1"/>
-          </p:cNvPicPr>
+              <a:t>Геймплей</a:t>
+            </a:r>
+          </a:p>
+        </p:txBody>
+      </p:sp>
+      <p:sp>
+        <p:nvSpPr>
+          <p:cNvPr id="3" name="Объект 2">
+            <a:extLst>
+              <a:ext uri="{FF2B5EF4-FFF2-40B4-BE49-F238E27FC236}">
+                <a16:creationId xmlns:a16="http://schemas.microsoft.com/office/drawing/2014/main" id="{0D5DA68E-4FDC-4940-B1EA-EC525FCF1389}"/>
+              </a:ext>
+            </a:extLst>
+          </p:cNvPr>
+          <p:cNvSpPr>
+            <a:spLocks noGrp="1"/>
+          </p:cNvSpPr>
           <p:nvPr>
             <p:ph idx="1"/>
           </p:nvPr>
-        </p:nvPicPr>
-        <p:blipFill>
-          <a:blip r:embed="rId2"/>
-          <a:stretch>
-            <a:fillRect/>
-          </a:stretch>
-        </p:blipFill>
-        <p:spPr>
-          <a:xfrm>
-            <a:off x="838200" y="2388732"/>
-            <a:ext cx="4791744" cy="2734057"/>
-          </a:xfrm>
-          <a:prstGeom prst="rect">
-            <a:avLst/>
-          </a:prstGeom>
-        </p:spPr>
-      </p:pic>
-      <p:sp>
-        <p:nvSpPr>
-          <p:cNvPr id="5" name="TextBox 4">
-            <a:extLst>
-              <a:ext uri="{FF2B5EF4-FFF2-40B4-BE49-F238E27FC236}">
-                <a16:creationId xmlns:a16="http://schemas.microsoft.com/office/drawing/2014/main" id="{9D81D392-BA47-4B14-AA02-D7110BF7DB02}"/>
-              </a:ext>
-            </a:extLst>
-          </p:cNvPr>
-          <p:cNvSpPr txBox="1"/>
-          <p:nvPr/>
-        </p:nvSpPr>
-        <p:spPr>
-          <a:xfrm>
-            <a:off x="1143000" y="1828800"/>
-            <a:ext cx="2133600" cy="369332"/>
-          </a:xfrm>
-          <a:prstGeom prst="rect">
-            <a:avLst/>
-          </a:prstGeom>
-          <a:noFill/>
-        </p:spPr>
-        <p:txBody>
-          <a:bodyPr wrap="square" rtlCol="0">
-            <a:spAutoFit/>
-          </a:bodyPr>
+        </p:nvSpPr>
+        <p:spPr/>
+        <p:txBody>
+          <a:bodyPr/>
           <a:lstStyle/>
           <a:p>
             <a:r>
               <a:rPr lang="ru-RU" dirty="0"/>
-              <a:t>Уровни в </a:t>
-            </a:r>
-            <a:r>
-              <a:rPr lang="en-US" dirty="0"/>
-              <a:t>txt</a:t>
-            </a:r>
+              <a:t>Ходьба</a:t>
+            </a:r>
+          </a:p>
+          <a:p>
             <a:r>
               <a:rPr lang="ru-RU" dirty="0"/>
-              <a:t>-файле</a:t>
-            </a:r>
-          </a:p>
-        </p:txBody>
-      </p:sp>
-      <p:sp>
-        <p:nvSpPr>
-          <p:cNvPr id="3" name="TextBox 2">
-            <a:extLst>
-              <a:ext uri="{FF2B5EF4-FFF2-40B4-BE49-F238E27FC236}">
-                <a16:creationId xmlns:a16="http://schemas.microsoft.com/office/drawing/2014/main" id="{71AD780A-465C-4BEC-B8AC-2BCAA71B1009}"/>
-              </a:ext>
-            </a:extLst>
-          </p:cNvPr>
-          <p:cNvSpPr txBox="1"/>
-          <p:nvPr/>
-        </p:nvSpPr>
-        <p:spPr>
-          <a:xfrm>
-            <a:off x="6849533" y="1828800"/>
-            <a:ext cx="3657600" cy="646331"/>
-          </a:xfrm>
-          <a:prstGeom prst="rect">
-            <a:avLst/>
-          </a:prstGeom>
-          <a:noFill/>
-        </p:spPr>
-        <p:txBody>
-          <a:bodyPr wrap="square" rtlCol="0">
-            <a:spAutoFit/>
-          </a:bodyPr>
-          <a:lstStyle/>
+              <a:t>Прыжки</a:t>
+            </a:r>
+          </a:p>
           <a:p>
             <a:r>
               <a:rPr lang="ru-RU" dirty="0"/>
-              <a:t>Настройки и последний уровень в </a:t>
-            </a:r>
-            <a:r>
-              <a:rPr lang="en-US" dirty="0"/>
-              <a:t>txt-</a:t>
-            </a:r>
+              <a:t>Сбор кристаллов</a:t>
+            </a:r>
+          </a:p>
+          <a:p>
             <a:r>
               <a:rPr lang="ru-RU" dirty="0"/>
-              <a:t>файле</a:t>
+              <a:t>Толкание камней</a:t>
             </a:r>
           </a:p>
         </p:txBody>
@@ -5335,7 +6159,7 @@
     </p:spTree>
     <p:extLst>
       <p:ext uri="{BB962C8B-B14F-4D97-AF65-F5344CB8AC3E}">
-        <p14:creationId xmlns:p14="http://schemas.microsoft.com/office/powerpoint/2010/main" val="3830201564"/>
+        <p14:creationId xmlns:p14="http://schemas.microsoft.com/office/powerpoint/2010/main" val="3899512826"/>
       </p:ext>
     </p:extLst>
   </p:cSld>
